--- a/notes.pptx
+++ b/notes.pptx
@@ -8,6 +8,9 @@
     <p:sldId id="256" r:id="rId2"/>
     <p:sldId id="257" r:id="rId3"/>
     <p:sldId id="258" r:id="rId4"/>
+    <p:sldId id="259" r:id="rId5"/>
+    <p:sldId id="260" r:id="rId6"/>
+    <p:sldId id="261" r:id="rId7"/>
   </p:sldIdLst>
   <p:sldSz cx="12192000" cy="6858000"/>
   <p:notesSz cx="6858000" cy="9144000"/>
@@ -5262,10 +5265,1410 @@
           </a:p>
         </p:txBody>
       </p:sp>
+      <p:sp>
+        <p:nvSpPr>
+          <p:cNvPr id="37" name="Rectangle 36">
+            <a:extLst>
+              <a:ext uri="{FF2B5EF4-FFF2-40B4-BE49-F238E27FC236}">
+                <a16:creationId xmlns:a16="http://schemas.microsoft.com/office/drawing/2014/main" id="{08D07501-A5AE-4EEF-BAF5-4C5F4D46B3BE}"/>
+              </a:ext>
+            </a:extLst>
+          </p:cNvPr>
+          <p:cNvSpPr/>
+          <p:nvPr/>
+        </p:nvSpPr>
+        <p:spPr>
+          <a:xfrm>
+            <a:off x="9945886" y="3005137"/>
+            <a:ext cx="1527572" cy="666750"/>
+          </a:xfrm>
+          <a:prstGeom prst="rect">
+            <a:avLst/>
+          </a:prstGeom>
+        </p:spPr>
+        <p:style>
+          <a:lnRef idx="2">
+            <a:schemeClr val="accent4">
+              <a:shade val="50000"/>
+            </a:schemeClr>
+          </a:lnRef>
+          <a:fillRef idx="1">
+            <a:schemeClr val="accent4"/>
+          </a:fillRef>
+          <a:effectRef idx="0">
+            <a:schemeClr val="accent4"/>
+          </a:effectRef>
+          <a:fontRef idx="minor">
+            <a:schemeClr val="lt1"/>
+          </a:fontRef>
+        </p:style>
+        <p:txBody>
+          <a:bodyPr rtlCol="0" anchor="ctr"/>
+          <a:lstStyle/>
+          <a:p>
+            <a:pPr algn="ctr"/>
+            <a:r>
+              <a:rPr lang="fr-FR" dirty="0"/>
+              <a:t>Etape 3</a:t>
+            </a:r>
+          </a:p>
+        </p:txBody>
+      </p:sp>
+      <p:sp>
+        <p:nvSpPr>
+          <p:cNvPr id="38" name="Rectangle 37">
+            <a:extLst>
+              <a:ext uri="{FF2B5EF4-FFF2-40B4-BE49-F238E27FC236}">
+                <a16:creationId xmlns:a16="http://schemas.microsoft.com/office/drawing/2014/main" id="{0E759C4E-0337-4374-A6E4-76CD44AFC013}"/>
+              </a:ext>
+            </a:extLst>
+          </p:cNvPr>
+          <p:cNvSpPr/>
+          <p:nvPr/>
+        </p:nvSpPr>
+        <p:spPr>
+          <a:xfrm>
+            <a:off x="7124700" y="2990849"/>
+            <a:ext cx="1527572" cy="666750"/>
+          </a:xfrm>
+          <a:prstGeom prst="rect">
+            <a:avLst/>
+          </a:prstGeom>
+        </p:spPr>
+        <p:style>
+          <a:lnRef idx="2">
+            <a:schemeClr val="accent4">
+              <a:shade val="50000"/>
+            </a:schemeClr>
+          </a:lnRef>
+          <a:fillRef idx="1">
+            <a:schemeClr val="accent4"/>
+          </a:fillRef>
+          <a:effectRef idx="0">
+            <a:schemeClr val="accent4"/>
+          </a:effectRef>
+          <a:fontRef idx="minor">
+            <a:schemeClr val="lt1"/>
+          </a:fontRef>
+        </p:style>
+        <p:txBody>
+          <a:bodyPr rtlCol="0" anchor="ctr"/>
+          <a:lstStyle/>
+          <a:p>
+            <a:pPr algn="ctr"/>
+            <a:r>
+              <a:rPr lang="fr-FR" dirty="0"/>
+              <a:t>Etape 4</a:t>
+            </a:r>
+          </a:p>
+        </p:txBody>
+      </p:sp>
+      <p:sp>
+        <p:nvSpPr>
+          <p:cNvPr id="40" name="Oval 39">
+            <a:extLst>
+              <a:ext uri="{FF2B5EF4-FFF2-40B4-BE49-F238E27FC236}">
+                <a16:creationId xmlns:a16="http://schemas.microsoft.com/office/drawing/2014/main" id="{ADFBA421-DCC9-4A72-99A2-1DB6EEAD3E03}"/>
+              </a:ext>
+            </a:extLst>
+          </p:cNvPr>
+          <p:cNvSpPr/>
+          <p:nvPr/>
+        </p:nvSpPr>
+        <p:spPr>
+          <a:xfrm>
+            <a:off x="3862388" y="5905499"/>
+            <a:ext cx="1543050" cy="762000"/>
+          </a:xfrm>
+          <a:prstGeom prst="ellipse">
+            <a:avLst/>
+          </a:prstGeom>
+        </p:spPr>
+        <p:style>
+          <a:lnRef idx="2">
+            <a:schemeClr val="accent6">
+              <a:shade val="50000"/>
+            </a:schemeClr>
+          </a:lnRef>
+          <a:fillRef idx="1">
+            <a:schemeClr val="accent6"/>
+          </a:fillRef>
+          <a:effectRef idx="0">
+            <a:schemeClr val="accent6"/>
+          </a:effectRef>
+          <a:fontRef idx="minor">
+            <a:schemeClr val="lt1"/>
+          </a:fontRef>
+        </p:style>
+        <p:txBody>
+          <a:bodyPr rtlCol="0" anchor="ctr"/>
+          <a:lstStyle/>
+          <a:p>
+            <a:pPr algn="ctr"/>
+            <a:r>
+              <a:rPr lang="fr-FR" dirty="0" err="1"/>
+              <a:t>Create</a:t>
+            </a:r>
+            <a:endParaRPr lang="fr-FR" dirty="0"/>
+          </a:p>
+        </p:txBody>
+      </p:sp>
+      <p:sp>
+        <p:nvSpPr>
+          <p:cNvPr id="41" name="Oval 40">
+            <a:extLst>
+              <a:ext uri="{FF2B5EF4-FFF2-40B4-BE49-F238E27FC236}">
+                <a16:creationId xmlns:a16="http://schemas.microsoft.com/office/drawing/2014/main" id="{3D84B022-8921-4497-B27C-529CDE38CDAE}"/>
+              </a:ext>
+            </a:extLst>
+          </p:cNvPr>
+          <p:cNvSpPr/>
+          <p:nvPr/>
+        </p:nvSpPr>
+        <p:spPr>
+          <a:xfrm>
+            <a:off x="3824288" y="5019677"/>
+            <a:ext cx="1543050" cy="762000"/>
+          </a:xfrm>
+          <a:prstGeom prst="ellipse">
+            <a:avLst/>
+          </a:prstGeom>
+        </p:spPr>
+        <p:style>
+          <a:lnRef idx="2">
+            <a:schemeClr val="accent6">
+              <a:shade val="50000"/>
+            </a:schemeClr>
+          </a:lnRef>
+          <a:fillRef idx="1">
+            <a:schemeClr val="accent6"/>
+          </a:fillRef>
+          <a:effectRef idx="0">
+            <a:schemeClr val="accent6"/>
+          </a:effectRef>
+          <a:fontRef idx="minor">
+            <a:schemeClr val="lt1"/>
+          </a:fontRef>
+        </p:style>
+        <p:txBody>
+          <a:bodyPr rtlCol="0" anchor="ctr"/>
+          <a:lstStyle/>
+          <a:p>
+            <a:pPr algn="ctr"/>
+            <a:r>
+              <a:rPr lang="fr-FR" dirty="0"/>
+              <a:t>Stock</a:t>
+            </a:r>
+          </a:p>
+        </p:txBody>
+      </p:sp>
+      <p:sp>
+        <p:nvSpPr>
+          <p:cNvPr id="42" name="Rectangle 41">
+            <a:extLst>
+              <a:ext uri="{FF2B5EF4-FFF2-40B4-BE49-F238E27FC236}">
+                <a16:creationId xmlns:a16="http://schemas.microsoft.com/office/drawing/2014/main" id="{6E5F2951-4B7A-4767-AD06-458330186747}"/>
+              </a:ext>
+            </a:extLst>
+          </p:cNvPr>
+          <p:cNvSpPr/>
+          <p:nvPr/>
+        </p:nvSpPr>
+        <p:spPr>
+          <a:xfrm>
+            <a:off x="4402932" y="4026693"/>
+            <a:ext cx="1376362" cy="762000"/>
+          </a:xfrm>
+          <a:prstGeom prst="rect">
+            <a:avLst/>
+          </a:prstGeom>
+        </p:spPr>
+        <p:style>
+          <a:lnRef idx="2">
+            <a:schemeClr val="accent1">
+              <a:shade val="50000"/>
+            </a:schemeClr>
+          </a:lnRef>
+          <a:fillRef idx="1">
+            <a:schemeClr val="accent1"/>
+          </a:fillRef>
+          <a:effectRef idx="0">
+            <a:schemeClr val="accent1"/>
+          </a:effectRef>
+          <a:fontRef idx="minor">
+            <a:schemeClr val="lt1"/>
+          </a:fontRef>
+        </p:style>
+        <p:txBody>
+          <a:bodyPr rtlCol="0" anchor="ctr"/>
+          <a:lstStyle/>
+          <a:p>
+            <a:pPr algn="ctr"/>
+            <a:r>
+              <a:rPr lang="en-US" dirty="0"/>
+              <a:t>Stock</a:t>
+            </a:r>
+            <a:endParaRPr lang="fr-FR" dirty="0"/>
+          </a:p>
+        </p:txBody>
+      </p:sp>
+      <p:cxnSp>
+        <p:nvCxnSpPr>
+          <p:cNvPr id="44" name="Straight Connector 43">
+            <a:extLst>
+              <a:ext uri="{FF2B5EF4-FFF2-40B4-BE49-F238E27FC236}">
+                <a16:creationId xmlns:a16="http://schemas.microsoft.com/office/drawing/2014/main" id="{7A2E957E-2536-40ED-8CB7-382131585081}"/>
+              </a:ext>
+            </a:extLst>
+          </p:cNvPr>
+          <p:cNvCxnSpPr>
+            <a:stCxn id="42" idx="2"/>
+            <a:endCxn id="41" idx="0"/>
+          </p:cNvCxnSpPr>
+          <p:nvPr/>
+        </p:nvCxnSpPr>
+        <p:spPr>
+          <a:xfrm flipH="1">
+            <a:off x="4595813" y="4788693"/>
+            <a:ext cx="495300" cy="230984"/>
+          </a:xfrm>
+          <a:prstGeom prst="line">
+            <a:avLst/>
+          </a:prstGeom>
+          <a:ln w="76200"/>
+        </p:spPr>
+        <p:style>
+          <a:lnRef idx="1">
+            <a:schemeClr val="accent1"/>
+          </a:lnRef>
+          <a:fillRef idx="0">
+            <a:schemeClr val="accent1"/>
+          </a:fillRef>
+          <a:effectRef idx="0">
+            <a:schemeClr val="accent1"/>
+          </a:effectRef>
+          <a:fontRef idx="minor">
+            <a:schemeClr val="tx1"/>
+          </a:fontRef>
+        </p:style>
+      </p:cxnSp>
+      <p:cxnSp>
+        <p:nvCxnSpPr>
+          <p:cNvPr id="46" name="Straight Connector 45">
+            <a:extLst>
+              <a:ext uri="{FF2B5EF4-FFF2-40B4-BE49-F238E27FC236}">
+                <a16:creationId xmlns:a16="http://schemas.microsoft.com/office/drawing/2014/main" id="{121149D2-7ECC-46CE-B2AD-6EE4882F3BC9}"/>
+              </a:ext>
+            </a:extLst>
+          </p:cNvPr>
+          <p:cNvCxnSpPr>
+            <a:endCxn id="40" idx="7"/>
+          </p:cNvCxnSpPr>
+          <p:nvPr/>
+        </p:nvCxnSpPr>
+        <p:spPr>
+          <a:xfrm flipH="1">
+            <a:off x="5179464" y="4788693"/>
+            <a:ext cx="383136" cy="1228398"/>
+          </a:xfrm>
+          <a:prstGeom prst="line">
+            <a:avLst/>
+          </a:prstGeom>
+          <a:ln w="76200"/>
+        </p:spPr>
+        <p:style>
+          <a:lnRef idx="1">
+            <a:schemeClr val="accent1"/>
+          </a:lnRef>
+          <a:fillRef idx="0">
+            <a:schemeClr val="accent1"/>
+          </a:fillRef>
+          <a:effectRef idx="0">
+            <a:schemeClr val="accent1"/>
+          </a:effectRef>
+          <a:fontRef idx="minor">
+            <a:schemeClr val="tx1"/>
+          </a:fontRef>
+        </p:style>
+      </p:cxnSp>
+      <p:cxnSp>
+        <p:nvCxnSpPr>
+          <p:cNvPr id="48" name="Straight Arrow Connector 47">
+            <a:extLst>
+              <a:ext uri="{FF2B5EF4-FFF2-40B4-BE49-F238E27FC236}">
+                <a16:creationId xmlns:a16="http://schemas.microsoft.com/office/drawing/2014/main" id="{B2B6B17D-5EB0-42CB-B44E-8BD17176C7FB}"/>
+              </a:ext>
+            </a:extLst>
+          </p:cNvPr>
+          <p:cNvCxnSpPr>
+            <a:cxnSpLocks/>
+            <a:stCxn id="42" idx="0"/>
+            <a:endCxn id="36" idx="0"/>
+          </p:cNvCxnSpPr>
+          <p:nvPr/>
+        </p:nvCxnSpPr>
+        <p:spPr>
+          <a:xfrm flipV="1">
+            <a:off x="5091113" y="1540669"/>
+            <a:ext cx="541734" cy="2486024"/>
+          </a:xfrm>
+          <a:prstGeom prst="straightConnector1">
+            <a:avLst/>
+          </a:prstGeom>
+          <a:ln w="76200">
+            <a:prstDash val="dash"/>
+            <a:tailEnd type="triangle"/>
+          </a:ln>
+        </p:spPr>
+        <p:style>
+          <a:lnRef idx="1">
+            <a:schemeClr val="accent1"/>
+          </a:lnRef>
+          <a:fillRef idx="0">
+            <a:schemeClr val="accent1"/>
+          </a:fillRef>
+          <a:effectRef idx="0">
+            <a:schemeClr val="accent1"/>
+          </a:effectRef>
+          <a:fontRef idx="minor">
+            <a:schemeClr val="tx1"/>
+          </a:fontRef>
+        </p:style>
+      </p:cxnSp>
+      <p:sp>
+        <p:nvSpPr>
+          <p:cNvPr id="49" name="Rectangle 48">
+            <a:extLst>
+              <a:ext uri="{FF2B5EF4-FFF2-40B4-BE49-F238E27FC236}">
+                <a16:creationId xmlns:a16="http://schemas.microsoft.com/office/drawing/2014/main" id="{1B789950-25B5-460E-B3C4-6F7B2C47554B}"/>
+              </a:ext>
+            </a:extLst>
+          </p:cNvPr>
+          <p:cNvSpPr/>
+          <p:nvPr/>
+        </p:nvSpPr>
+        <p:spPr>
+          <a:xfrm>
+            <a:off x="6446289" y="4281489"/>
+            <a:ext cx="1588294" cy="762000"/>
+          </a:xfrm>
+          <a:prstGeom prst="rect">
+            <a:avLst/>
+          </a:prstGeom>
+        </p:spPr>
+        <p:style>
+          <a:lnRef idx="2">
+            <a:schemeClr val="accent1">
+              <a:shade val="50000"/>
+            </a:schemeClr>
+          </a:lnRef>
+          <a:fillRef idx="1">
+            <a:schemeClr val="accent1"/>
+          </a:fillRef>
+          <a:effectRef idx="0">
+            <a:schemeClr val="accent1"/>
+          </a:effectRef>
+          <a:fontRef idx="minor">
+            <a:schemeClr val="lt1"/>
+          </a:fontRef>
+        </p:style>
+        <p:txBody>
+          <a:bodyPr rtlCol="0" anchor="ctr"/>
+          <a:lstStyle/>
+          <a:p>
+            <a:pPr algn="ctr"/>
+            <a:r>
+              <a:rPr lang="en-US" dirty="0" err="1"/>
+              <a:t>StockRouting</a:t>
+            </a:r>
+            <a:endParaRPr lang="fr-FR" dirty="0"/>
+          </a:p>
+        </p:txBody>
+      </p:sp>
+      <p:cxnSp>
+        <p:nvCxnSpPr>
+          <p:cNvPr id="51" name="Straight Arrow Connector 50">
+            <a:extLst>
+              <a:ext uri="{FF2B5EF4-FFF2-40B4-BE49-F238E27FC236}">
+                <a16:creationId xmlns:a16="http://schemas.microsoft.com/office/drawing/2014/main" id="{93358B4F-BC33-45BF-8BC9-9A3705955174}"/>
+              </a:ext>
+            </a:extLst>
+          </p:cNvPr>
+          <p:cNvCxnSpPr>
+            <a:stCxn id="49" idx="1"/>
+            <a:endCxn id="42" idx="3"/>
+          </p:cNvCxnSpPr>
+          <p:nvPr/>
+        </p:nvCxnSpPr>
+        <p:spPr>
+          <a:xfrm flipH="1" flipV="1">
+            <a:off x="5779294" y="4407693"/>
+            <a:ext cx="666995" cy="254796"/>
+          </a:xfrm>
+          <a:prstGeom prst="straightConnector1">
+            <a:avLst/>
+          </a:prstGeom>
+          <a:ln w="76200">
+            <a:tailEnd type="triangle"/>
+          </a:ln>
+        </p:spPr>
+        <p:style>
+          <a:lnRef idx="1">
+            <a:schemeClr val="accent1"/>
+          </a:lnRef>
+          <a:fillRef idx="0">
+            <a:schemeClr val="accent1"/>
+          </a:fillRef>
+          <a:effectRef idx="0">
+            <a:schemeClr val="accent1"/>
+          </a:effectRef>
+          <a:fontRef idx="minor">
+            <a:schemeClr val="tx1"/>
+          </a:fontRef>
+        </p:style>
+      </p:cxnSp>
     </p:spTree>
     <p:extLst>
       <p:ext uri="{BB962C8B-B14F-4D97-AF65-F5344CB8AC3E}">
         <p14:creationId xmlns:p14="http://schemas.microsoft.com/office/powerpoint/2010/main" val="2736759992"/>
+      </p:ext>
+    </p:extLst>
+  </p:cSld>
+  <p:clrMapOvr>
+    <a:masterClrMapping/>
+  </p:clrMapOvr>
+</p:sld>
+</file>
+
+<file path=ppt/slides/slide4.xml><?xml version="1.0" encoding="utf-8"?>
+<p:sld xmlns:a="http://schemas.openxmlformats.org/drawingml/2006/main" xmlns:r="http://schemas.openxmlformats.org/officeDocument/2006/relationships" xmlns:p="http://schemas.openxmlformats.org/presentationml/2006/main">
+  <p:cSld>
+    <p:spTree>
+      <p:nvGrpSpPr>
+        <p:cNvPr id="1" name=""/>
+        <p:cNvGrpSpPr/>
+        <p:nvPr/>
+      </p:nvGrpSpPr>
+      <p:grpSpPr>
+        <a:xfrm>
+          <a:off x="0" y="0"/>
+          <a:ext cx="0" cy="0"/>
+          <a:chOff x="0" y="0"/>
+          <a:chExt cx="0" cy="0"/>
+        </a:xfrm>
+      </p:grpSpPr>
+      <p:sp>
+        <p:nvSpPr>
+          <p:cNvPr id="4" name="Rectangle 3">
+            <a:extLst>
+              <a:ext uri="{FF2B5EF4-FFF2-40B4-BE49-F238E27FC236}">
+                <a16:creationId xmlns:a16="http://schemas.microsoft.com/office/drawing/2014/main" id="{A7E41E11-0ACC-4673-AD2D-DB536112DD44}"/>
+              </a:ext>
+            </a:extLst>
+          </p:cNvPr>
+          <p:cNvSpPr/>
+          <p:nvPr/>
+        </p:nvSpPr>
+        <p:spPr>
+          <a:xfrm>
+            <a:off x="1281113" y="2233613"/>
+            <a:ext cx="1600200" cy="1795462"/>
+          </a:xfrm>
+          <a:prstGeom prst="rect">
+            <a:avLst/>
+          </a:prstGeom>
+        </p:spPr>
+        <p:style>
+          <a:lnRef idx="2">
+            <a:schemeClr val="accent1">
+              <a:shade val="50000"/>
+            </a:schemeClr>
+          </a:lnRef>
+          <a:fillRef idx="1">
+            <a:schemeClr val="accent1"/>
+          </a:fillRef>
+          <a:effectRef idx="0">
+            <a:schemeClr val="accent1"/>
+          </a:effectRef>
+          <a:fontRef idx="minor">
+            <a:schemeClr val="lt1"/>
+          </a:fontRef>
+        </p:style>
+        <p:txBody>
+          <a:bodyPr rtlCol="0" anchor="ctr"/>
+          <a:lstStyle/>
+          <a:p>
+            <a:pPr algn="ctr"/>
+            <a:endParaRPr lang="fr-FR"/>
+          </a:p>
+        </p:txBody>
+      </p:sp>
+      <p:sp>
+        <p:nvSpPr>
+          <p:cNvPr id="5" name="Rectangle 4">
+            <a:extLst>
+              <a:ext uri="{FF2B5EF4-FFF2-40B4-BE49-F238E27FC236}">
+                <a16:creationId xmlns:a16="http://schemas.microsoft.com/office/drawing/2014/main" id="{C16B8F83-8867-4FCF-8135-C051CBCF0CD8}"/>
+              </a:ext>
+            </a:extLst>
+          </p:cNvPr>
+          <p:cNvSpPr/>
+          <p:nvPr/>
+        </p:nvSpPr>
+        <p:spPr>
+          <a:xfrm>
+            <a:off x="8134350" y="795338"/>
+            <a:ext cx="1600200" cy="1795462"/>
+          </a:xfrm>
+          <a:prstGeom prst="rect">
+            <a:avLst/>
+          </a:prstGeom>
+        </p:spPr>
+        <p:style>
+          <a:lnRef idx="2">
+            <a:schemeClr val="accent1">
+              <a:shade val="50000"/>
+            </a:schemeClr>
+          </a:lnRef>
+          <a:fillRef idx="1">
+            <a:schemeClr val="accent1"/>
+          </a:fillRef>
+          <a:effectRef idx="0">
+            <a:schemeClr val="accent1"/>
+          </a:effectRef>
+          <a:fontRef idx="minor">
+            <a:schemeClr val="lt1"/>
+          </a:fontRef>
+        </p:style>
+        <p:txBody>
+          <a:bodyPr rtlCol="0" anchor="ctr"/>
+          <a:lstStyle/>
+          <a:p>
+            <a:pPr algn="ctr"/>
+            <a:endParaRPr lang="fr-FR"/>
+          </a:p>
+        </p:txBody>
+      </p:sp>
+      <p:sp>
+        <p:nvSpPr>
+          <p:cNvPr id="6" name="TextBox 5">
+            <a:extLst>
+              <a:ext uri="{FF2B5EF4-FFF2-40B4-BE49-F238E27FC236}">
+                <a16:creationId xmlns:a16="http://schemas.microsoft.com/office/drawing/2014/main" id="{0EFDCEB6-F568-43F8-AC54-F780BBDDC23A}"/>
+              </a:ext>
+            </a:extLst>
+          </p:cNvPr>
+          <p:cNvSpPr txBox="1"/>
+          <p:nvPr/>
+        </p:nvSpPr>
+        <p:spPr>
+          <a:xfrm>
+            <a:off x="7920038" y="223838"/>
+            <a:ext cx="1557158" cy="369332"/>
+          </a:xfrm>
+          <a:prstGeom prst="rect">
+            <a:avLst/>
+          </a:prstGeom>
+          <a:noFill/>
+        </p:spPr>
+        <p:txBody>
+          <a:bodyPr wrap="none" rtlCol="0">
+            <a:spAutoFit/>
+          </a:bodyPr>
+          <a:lstStyle/>
+          <a:p>
+            <a:r>
+              <a:rPr lang="en-US" dirty="0"/>
+              <a:t>localhost:4200</a:t>
+            </a:r>
+            <a:endParaRPr lang="fr-FR" dirty="0"/>
+          </a:p>
+        </p:txBody>
+      </p:sp>
+      <p:sp>
+        <p:nvSpPr>
+          <p:cNvPr id="7" name="TextBox 6">
+            <a:extLst>
+              <a:ext uri="{FF2B5EF4-FFF2-40B4-BE49-F238E27FC236}">
+                <a16:creationId xmlns:a16="http://schemas.microsoft.com/office/drawing/2014/main" id="{F845EA79-10AB-4F73-914A-0ACB2EF3FD4A}"/>
+              </a:ext>
+            </a:extLst>
+          </p:cNvPr>
+          <p:cNvSpPr txBox="1"/>
+          <p:nvPr/>
+        </p:nvSpPr>
+        <p:spPr>
+          <a:xfrm>
+            <a:off x="1281113" y="1693069"/>
+            <a:ext cx="1202637" cy="369332"/>
+          </a:xfrm>
+          <a:prstGeom prst="rect">
+            <a:avLst/>
+          </a:prstGeom>
+          <a:noFill/>
+        </p:spPr>
+        <p:txBody>
+          <a:bodyPr wrap="none" rtlCol="0">
+            <a:spAutoFit/>
+          </a:bodyPr>
+          <a:lstStyle/>
+          <a:p>
+            <a:r>
+              <a:rPr lang="en-US" dirty="0" err="1"/>
+              <a:t>Navigateur</a:t>
+            </a:r>
+            <a:endParaRPr lang="fr-FR" dirty="0"/>
+          </a:p>
+        </p:txBody>
+      </p:sp>
+      <p:cxnSp>
+        <p:nvCxnSpPr>
+          <p:cNvPr id="9" name="Straight Arrow Connector 8">
+            <a:extLst>
+              <a:ext uri="{FF2B5EF4-FFF2-40B4-BE49-F238E27FC236}">
+                <a16:creationId xmlns:a16="http://schemas.microsoft.com/office/drawing/2014/main" id="{3A2F1EC1-8590-4FF2-97B6-0FBB8350E483}"/>
+              </a:ext>
+            </a:extLst>
+          </p:cNvPr>
+          <p:cNvCxnSpPr/>
+          <p:nvPr/>
+        </p:nvCxnSpPr>
+        <p:spPr>
+          <a:xfrm flipV="1">
+            <a:off x="2919413" y="1304925"/>
+            <a:ext cx="5214937" cy="1152525"/>
+          </a:xfrm>
+          <a:prstGeom prst="straightConnector1">
+            <a:avLst/>
+          </a:prstGeom>
+          <a:ln w="76200">
+            <a:tailEnd type="triangle"/>
+          </a:ln>
+        </p:spPr>
+        <p:style>
+          <a:lnRef idx="1">
+            <a:schemeClr val="accent1"/>
+          </a:lnRef>
+          <a:fillRef idx="0">
+            <a:schemeClr val="accent1"/>
+          </a:fillRef>
+          <a:effectRef idx="0">
+            <a:schemeClr val="accent1"/>
+          </a:effectRef>
+          <a:fontRef idx="minor">
+            <a:schemeClr val="tx1"/>
+          </a:fontRef>
+        </p:style>
+      </p:cxnSp>
+      <p:cxnSp>
+        <p:nvCxnSpPr>
+          <p:cNvPr id="11" name="Straight Arrow Connector 10">
+            <a:extLst>
+              <a:ext uri="{FF2B5EF4-FFF2-40B4-BE49-F238E27FC236}">
+                <a16:creationId xmlns:a16="http://schemas.microsoft.com/office/drawing/2014/main" id="{517DCEAD-6C00-4443-905D-95283C0F1585}"/>
+              </a:ext>
+            </a:extLst>
+          </p:cNvPr>
+          <p:cNvCxnSpPr/>
+          <p:nvPr/>
+        </p:nvCxnSpPr>
+        <p:spPr>
+          <a:xfrm flipH="1">
+            <a:off x="2881313" y="2152650"/>
+            <a:ext cx="5253037" cy="1157288"/>
+          </a:xfrm>
+          <a:prstGeom prst="straightConnector1">
+            <a:avLst/>
+          </a:prstGeom>
+          <a:ln w="76200">
+            <a:tailEnd type="triangle"/>
+          </a:ln>
+        </p:spPr>
+        <p:style>
+          <a:lnRef idx="1">
+            <a:schemeClr val="accent1"/>
+          </a:lnRef>
+          <a:fillRef idx="0">
+            <a:schemeClr val="accent1"/>
+          </a:fillRef>
+          <a:effectRef idx="0">
+            <a:schemeClr val="accent1"/>
+          </a:effectRef>
+          <a:fontRef idx="minor">
+            <a:schemeClr val="tx1"/>
+          </a:fontRef>
+        </p:style>
+      </p:cxnSp>
+      <p:sp>
+        <p:nvSpPr>
+          <p:cNvPr id="12" name="Rectangle 11">
+            <a:extLst>
+              <a:ext uri="{FF2B5EF4-FFF2-40B4-BE49-F238E27FC236}">
+                <a16:creationId xmlns:a16="http://schemas.microsoft.com/office/drawing/2014/main" id="{BBEE5514-DD95-438D-B4AF-16F578758DF5}"/>
+              </a:ext>
+            </a:extLst>
+          </p:cNvPr>
+          <p:cNvSpPr/>
+          <p:nvPr/>
+        </p:nvSpPr>
+        <p:spPr>
+          <a:xfrm>
+            <a:off x="1819275" y="2914649"/>
+            <a:ext cx="842963" cy="904876"/>
+          </a:xfrm>
+          <a:prstGeom prst="rect">
+            <a:avLst/>
+          </a:prstGeom>
+        </p:spPr>
+        <p:style>
+          <a:lnRef idx="2">
+            <a:schemeClr val="accent6">
+              <a:shade val="50000"/>
+            </a:schemeClr>
+          </a:lnRef>
+          <a:fillRef idx="1">
+            <a:schemeClr val="accent6"/>
+          </a:fillRef>
+          <a:effectRef idx="0">
+            <a:schemeClr val="accent6"/>
+          </a:effectRef>
+          <a:fontRef idx="minor">
+            <a:schemeClr val="lt1"/>
+          </a:fontRef>
+        </p:style>
+        <p:txBody>
+          <a:bodyPr rtlCol="0" anchor="ctr"/>
+          <a:lstStyle/>
+          <a:p>
+            <a:pPr algn="ctr"/>
+            <a:endParaRPr lang="fr-FR" dirty="0"/>
+          </a:p>
+        </p:txBody>
+      </p:sp>
+    </p:spTree>
+    <p:extLst>
+      <p:ext uri="{BB962C8B-B14F-4D97-AF65-F5344CB8AC3E}">
+        <p14:creationId xmlns:p14="http://schemas.microsoft.com/office/powerpoint/2010/main" val="677696173"/>
+      </p:ext>
+    </p:extLst>
+  </p:cSld>
+  <p:clrMapOvr>
+    <a:masterClrMapping/>
+  </p:clrMapOvr>
+</p:sld>
+</file>
+
+<file path=ppt/slides/slide5.xml><?xml version="1.0" encoding="utf-8"?>
+<p:sld xmlns:a="http://schemas.openxmlformats.org/drawingml/2006/main" xmlns:r="http://schemas.openxmlformats.org/officeDocument/2006/relationships" xmlns:p="http://schemas.openxmlformats.org/presentationml/2006/main">
+  <p:cSld>
+    <p:spTree>
+      <p:nvGrpSpPr>
+        <p:cNvPr id="1" name=""/>
+        <p:cNvGrpSpPr/>
+        <p:nvPr/>
+      </p:nvGrpSpPr>
+      <p:grpSpPr>
+        <a:xfrm>
+          <a:off x="0" y="0"/>
+          <a:ext cx="0" cy="0"/>
+          <a:chOff x="0" y="0"/>
+          <a:chExt cx="0" cy="0"/>
+        </a:xfrm>
+      </p:grpSpPr>
+      <p:cxnSp>
+        <p:nvCxnSpPr>
+          <p:cNvPr id="5" name="Straight Arrow Connector 4">
+            <a:extLst>
+              <a:ext uri="{FF2B5EF4-FFF2-40B4-BE49-F238E27FC236}">
+                <a16:creationId xmlns:a16="http://schemas.microsoft.com/office/drawing/2014/main" id="{9D96DECF-5821-421E-87D2-3F427DEF4300}"/>
+              </a:ext>
+            </a:extLst>
+          </p:cNvPr>
+          <p:cNvCxnSpPr/>
+          <p:nvPr/>
+        </p:nvCxnSpPr>
+        <p:spPr>
+          <a:xfrm flipV="1">
+            <a:off x="209550" y="1238250"/>
+            <a:ext cx="11658600" cy="66675"/>
+          </a:xfrm>
+          <a:prstGeom prst="straightConnector1">
+            <a:avLst/>
+          </a:prstGeom>
+          <a:ln w="76200">
+            <a:tailEnd type="triangle"/>
+          </a:ln>
+        </p:spPr>
+        <p:style>
+          <a:lnRef idx="1">
+            <a:schemeClr val="accent1"/>
+          </a:lnRef>
+          <a:fillRef idx="0">
+            <a:schemeClr val="accent1"/>
+          </a:fillRef>
+          <a:effectRef idx="0">
+            <a:schemeClr val="accent1"/>
+          </a:effectRef>
+          <a:fontRef idx="minor">
+            <a:schemeClr val="tx1"/>
+          </a:fontRef>
+        </p:style>
+      </p:cxnSp>
+      <p:cxnSp>
+        <p:nvCxnSpPr>
+          <p:cNvPr id="7" name="Straight Connector 6">
+            <a:extLst>
+              <a:ext uri="{FF2B5EF4-FFF2-40B4-BE49-F238E27FC236}">
+                <a16:creationId xmlns:a16="http://schemas.microsoft.com/office/drawing/2014/main" id="{C74D927D-71D3-49D0-9042-AAFE405FF87B}"/>
+              </a:ext>
+            </a:extLst>
+          </p:cNvPr>
+          <p:cNvCxnSpPr/>
+          <p:nvPr/>
+        </p:nvCxnSpPr>
+        <p:spPr>
+          <a:xfrm>
+            <a:off x="1271588" y="933450"/>
+            <a:ext cx="0" cy="738188"/>
+          </a:xfrm>
+          <a:prstGeom prst="line">
+            <a:avLst/>
+          </a:prstGeom>
+          <a:ln w="76200"/>
+        </p:spPr>
+        <p:style>
+          <a:lnRef idx="1">
+            <a:schemeClr val="accent1"/>
+          </a:lnRef>
+          <a:fillRef idx="0">
+            <a:schemeClr val="accent1"/>
+          </a:fillRef>
+          <a:effectRef idx="0">
+            <a:schemeClr val="accent1"/>
+          </a:effectRef>
+          <a:fontRef idx="minor">
+            <a:schemeClr val="tx1"/>
+          </a:fontRef>
+        </p:style>
+      </p:cxnSp>
+      <p:sp>
+        <p:nvSpPr>
+          <p:cNvPr id="8" name="Rectangle 7">
+            <a:extLst>
+              <a:ext uri="{FF2B5EF4-FFF2-40B4-BE49-F238E27FC236}">
+                <a16:creationId xmlns:a16="http://schemas.microsoft.com/office/drawing/2014/main" id="{C6D7CC3D-7952-4ED6-A76B-6AFCCEA01E32}"/>
+              </a:ext>
+            </a:extLst>
+          </p:cNvPr>
+          <p:cNvSpPr/>
+          <p:nvPr/>
+        </p:nvSpPr>
+        <p:spPr>
+          <a:xfrm>
+            <a:off x="1314450" y="1143000"/>
+            <a:ext cx="600072" cy="309563"/>
+          </a:xfrm>
+          <a:prstGeom prst="rect">
+            <a:avLst/>
+          </a:prstGeom>
+        </p:spPr>
+        <p:style>
+          <a:lnRef idx="2">
+            <a:schemeClr val="accent6">
+              <a:shade val="50000"/>
+            </a:schemeClr>
+          </a:lnRef>
+          <a:fillRef idx="1">
+            <a:schemeClr val="accent6"/>
+          </a:fillRef>
+          <a:effectRef idx="0">
+            <a:schemeClr val="accent6"/>
+          </a:effectRef>
+          <a:fontRef idx="minor">
+            <a:schemeClr val="lt1"/>
+          </a:fontRef>
+        </p:style>
+        <p:txBody>
+          <a:bodyPr rtlCol="0" anchor="ctr"/>
+          <a:lstStyle/>
+          <a:p>
+            <a:pPr algn="ctr"/>
+            <a:r>
+              <a:rPr lang="en-US" dirty="0" err="1"/>
+              <a:t>init</a:t>
+            </a:r>
+            <a:endParaRPr lang="fr-FR" dirty="0"/>
+          </a:p>
+        </p:txBody>
+      </p:sp>
+      <p:cxnSp>
+        <p:nvCxnSpPr>
+          <p:cNvPr id="10" name="Straight Connector 9">
+            <a:extLst>
+              <a:ext uri="{FF2B5EF4-FFF2-40B4-BE49-F238E27FC236}">
+                <a16:creationId xmlns:a16="http://schemas.microsoft.com/office/drawing/2014/main" id="{742ADB16-3640-4E9C-9297-17D7E77CF448}"/>
+              </a:ext>
+            </a:extLst>
+          </p:cNvPr>
+          <p:cNvCxnSpPr/>
+          <p:nvPr/>
+        </p:nvCxnSpPr>
+        <p:spPr>
+          <a:xfrm>
+            <a:off x="1914522" y="738187"/>
+            <a:ext cx="0" cy="1119187"/>
+          </a:xfrm>
+          <a:prstGeom prst="line">
+            <a:avLst/>
+          </a:prstGeom>
+          <a:ln w="76200"/>
+        </p:spPr>
+        <p:style>
+          <a:lnRef idx="1">
+            <a:schemeClr val="accent1"/>
+          </a:lnRef>
+          <a:fillRef idx="0">
+            <a:schemeClr val="accent1"/>
+          </a:fillRef>
+          <a:effectRef idx="0">
+            <a:schemeClr val="accent1"/>
+          </a:effectRef>
+          <a:fontRef idx="minor">
+            <a:schemeClr val="tx1"/>
+          </a:fontRef>
+        </p:style>
+      </p:cxnSp>
+      <p:cxnSp>
+        <p:nvCxnSpPr>
+          <p:cNvPr id="12" name="Straight Connector 11">
+            <a:extLst>
+              <a:ext uri="{FF2B5EF4-FFF2-40B4-BE49-F238E27FC236}">
+                <a16:creationId xmlns:a16="http://schemas.microsoft.com/office/drawing/2014/main" id="{02D8F23A-981C-43A0-A5CC-12B253C8CA6C}"/>
+              </a:ext>
+            </a:extLst>
+          </p:cNvPr>
+          <p:cNvCxnSpPr/>
+          <p:nvPr/>
+        </p:nvCxnSpPr>
+        <p:spPr>
+          <a:xfrm>
+            <a:off x="4438650" y="585788"/>
+            <a:ext cx="0" cy="1614487"/>
+          </a:xfrm>
+          <a:prstGeom prst="line">
+            <a:avLst/>
+          </a:prstGeom>
+          <a:ln w="76200"/>
+        </p:spPr>
+        <p:style>
+          <a:lnRef idx="1">
+            <a:schemeClr val="accent1"/>
+          </a:lnRef>
+          <a:fillRef idx="0">
+            <a:schemeClr val="accent1"/>
+          </a:fillRef>
+          <a:effectRef idx="0">
+            <a:schemeClr val="accent1"/>
+          </a:effectRef>
+          <a:fontRef idx="minor">
+            <a:schemeClr val="tx1"/>
+          </a:fontRef>
+        </p:style>
+      </p:cxnSp>
+      <p:sp>
+        <p:nvSpPr>
+          <p:cNvPr id="13" name="Rectangle 12">
+            <a:extLst>
+              <a:ext uri="{FF2B5EF4-FFF2-40B4-BE49-F238E27FC236}">
+                <a16:creationId xmlns:a16="http://schemas.microsoft.com/office/drawing/2014/main" id="{F38FF6C0-F28D-473D-95C2-57242EC88C26}"/>
+              </a:ext>
+            </a:extLst>
+          </p:cNvPr>
+          <p:cNvSpPr/>
+          <p:nvPr/>
+        </p:nvSpPr>
+        <p:spPr>
+          <a:xfrm>
+            <a:off x="1957383" y="1142998"/>
+            <a:ext cx="857247" cy="309563"/>
+          </a:xfrm>
+          <a:prstGeom prst="rect">
+            <a:avLst/>
+          </a:prstGeom>
+        </p:spPr>
+        <p:style>
+          <a:lnRef idx="2">
+            <a:schemeClr val="accent6">
+              <a:shade val="50000"/>
+            </a:schemeClr>
+          </a:lnRef>
+          <a:fillRef idx="1">
+            <a:schemeClr val="accent6"/>
+          </a:fillRef>
+          <a:effectRef idx="0">
+            <a:schemeClr val="accent6"/>
+          </a:effectRef>
+          <a:fontRef idx="minor">
+            <a:schemeClr val="lt1"/>
+          </a:fontRef>
+        </p:style>
+        <p:txBody>
+          <a:bodyPr rtlCol="0" anchor="ctr"/>
+          <a:lstStyle/>
+          <a:p>
+            <a:pPr algn="ctr"/>
+            <a:r>
+              <a:rPr lang="en-US" dirty="0"/>
+              <a:t>stock</a:t>
+            </a:r>
+            <a:endParaRPr lang="fr-FR" dirty="0"/>
+          </a:p>
+        </p:txBody>
+      </p:sp>
+      <p:cxnSp>
+        <p:nvCxnSpPr>
+          <p:cNvPr id="15" name="Straight Connector 14">
+            <a:extLst>
+              <a:ext uri="{FF2B5EF4-FFF2-40B4-BE49-F238E27FC236}">
+                <a16:creationId xmlns:a16="http://schemas.microsoft.com/office/drawing/2014/main" id="{B0A1E6DE-B0B0-4FDF-A4B9-C2093E60F1CF}"/>
+              </a:ext>
+            </a:extLst>
+          </p:cNvPr>
+          <p:cNvCxnSpPr/>
+          <p:nvPr/>
+        </p:nvCxnSpPr>
+        <p:spPr>
+          <a:xfrm>
+            <a:off x="4548188" y="814388"/>
+            <a:ext cx="0" cy="919162"/>
+          </a:xfrm>
+          <a:prstGeom prst="line">
+            <a:avLst/>
+          </a:prstGeom>
+          <a:ln w="76200"/>
+        </p:spPr>
+        <p:style>
+          <a:lnRef idx="1">
+            <a:schemeClr val="accent1"/>
+          </a:lnRef>
+          <a:fillRef idx="0">
+            <a:schemeClr val="accent1"/>
+          </a:fillRef>
+          <a:effectRef idx="0">
+            <a:schemeClr val="accent1"/>
+          </a:effectRef>
+          <a:fontRef idx="minor">
+            <a:schemeClr val="tx1"/>
+          </a:fontRef>
+        </p:style>
+      </p:cxnSp>
+    </p:spTree>
+    <p:extLst>
+      <p:ext uri="{BB962C8B-B14F-4D97-AF65-F5344CB8AC3E}">
+        <p14:creationId xmlns:p14="http://schemas.microsoft.com/office/powerpoint/2010/main" val="2200885494"/>
+      </p:ext>
+    </p:extLst>
+  </p:cSld>
+  <p:clrMapOvr>
+    <a:masterClrMapping/>
+  </p:clrMapOvr>
+</p:sld>
+</file>
+
+<file path=ppt/slides/slide6.xml><?xml version="1.0" encoding="utf-8"?>
+<p:sld xmlns:a="http://schemas.openxmlformats.org/drawingml/2006/main" xmlns:r="http://schemas.openxmlformats.org/officeDocument/2006/relationships" xmlns:p="http://schemas.openxmlformats.org/presentationml/2006/main">
+  <p:cSld>
+    <p:spTree>
+      <p:nvGrpSpPr>
+        <p:cNvPr id="1" name=""/>
+        <p:cNvGrpSpPr/>
+        <p:nvPr/>
+      </p:nvGrpSpPr>
+      <p:grpSpPr>
+        <a:xfrm>
+          <a:off x="0" y="0"/>
+          <a:ext cx="0" cy="0"/>
+          <a:chOff x="0" y="0"/>
+          <a:chExt cx="0" cy="0"/>
+        </a:xfrm>
+      </p:grpSpPr>
+      <p:cxnSp>
+        <p:nvCxnSpPr>
+          <p:cNvPr id="5" name="Straight Arrow Connector 4">
+            <a:extLst>
+              <a:ext uri="{FF2B5EF4-FFF2-40B4-BE49-F238E27FC236}">
+                <a16:creationId xmlns:a16="http://schemas.microsoft.com/office/drawing/2014/main" id="{CE387B9E-8FBF-413A-A5C0-08AA127503B0}"/>
+              </a:ext>
+            </a:extLst>
+          </p:cNvPr>
+          <p:cNvCxnSpPr/>
+          <p:nvPr/>
+        </p:nvCxnSpPr>
+        <p:spPr>
+          <a:xfrm>
+            <a:off x="447675" y="1714500"/>
+            <a:ext cx="11444288" cy="0"/>
+          </a:xfrm>
+          <a:prstGeom prst="straightConnector1">
+            <a:avLst/>
+          </a:prstGeom>
+          <a:ln w="76200">
+            <a:tailEnd type="triangle"/>
+          </a:ln>
+        </p:spPr>
+        <p:style>
+          <a:lnRef idx="1">
+            <a:schemeClr val="accent1"/>
+          </a:lnRef>
+          <a:fillRef idx="0">
+            <a:schemeClr val="accent1"/>
+          </a:fillRef>
+          <a:effectRef idx="0">
+            <a:schemeClr val="accent1"/>
+          </a:effectRef>
+          <a:fontRef idx="minor">
+            <a:schemeClr val="tx1"/>
+          </a:fontRef>
+        </p:style>
+      </p:cxnSp>
+      <p:cxnSp>
+        <p:nvCxnSpPr>
+          <p:cNvPr id="7" name="Straight Connector 6">
+            <a:extLst>
+              <a:ext uri="{FF2B5EF4-FFF2-40B4-BE49-F238E27FC236}">
+                <a16:creationId xmlns:a16="http://schemas.microsoft.com/office/drawing/2014/main" id="{AC2A9E37-F911-4C8E-9421-3BB5E3326D60}"/>
+              </a:ext>
+            </a:extLst>
+          </p:cNvPr>
+          <p:cNvCxnSpPr/>
+          <p:nvPr/>
+        </p:nvCxnSpPr>
+        <p:spPr>
+          <a:xfrm>
+            <a:off x="838200" y="1362075"/>
+            <a:ext cx="0" cy="661988"/>
+          </a:xfrm>
+          <a:prstGeom prst="line">
+            <a:avLst/>
+          </a:prstGeom>
+          <a:ln w="76200"/>
+        </p:spPr>
+        <p:style>
+          <a:lnRef idx="1">
+            <a:schemeClr val="accent1"/>
+          </a:lnRef>
+          <a:fillRef idx="0">
+            <a:schemeClr val="accent1"/>
+          </a:fillRef>
+          <a:effectRef idx="0">
+            <a:schemeClr val="accent1"/>
+          </a:effectRef>
+          <a:fontRef idx="minor">
+            <a:schemeClr val="tx1"/>
+          </a:fontRef>
+        </p:style>
+      </p:cxnSp>
+      <p:sp>
+        <p:nvSpPr>
+          <p:cNvPr id="8" name="Rectangle 7">
+            <a:extLst>
+              <a:ext uri="{FF2B5EF4-FFF2-40B4-BE49-F238E27FC236}">
+                <a16:creationId xmlns:a16="http://schemas.microsoft.com/office/drawing/2014/main" id="{F878065E-3815-4E38-85C8-C696941ADBE6}"/>
+              </a:ext>
+            </a:extLst>
+          </p:cNvPr>
+          <p:cNvSpPr/>
+          <p:nvPr/>
+        </p:nvSpPr>
+        <p:spPr>
+          <a:xfrm>
+            <a:off x="904875" y="1500188"/>
+            <a:ext cx="1466850" cy="371472"/>
+          </a:xfrm>
+          <a:prstGeom prst="rect">
+            <a:avLst/>
+          </a:prstGeom>
+        </p:spPr>
+        <p:style>
+          <a:lnRef idx="2">
+            <a:schemeClr val="accent1">
+              <a:shade val="50000"/>
+            </a:schemeClr>
+          </a:lnRef>
+          <a:fillRef idx="1">
+            <a:schemeClr val="accent1"/>
+          </a:fillRef>
+          <a:effectRef idx="0">
+            <a:schemeClr val="accent1"/>
+          </a:effectRef>
+          <a:fontRef idx="minor">
+            <a:schemeClr val="lt1"/>
+          </a:fontRef>
+        </p:style>
+        <p:txBody>
+          <a:bodyPr rtlCol="0" anchor="ctr"/>
+          <a:lstStyle/>
+          <a:p>
+            <a:pPr algn="ctr"/>
+            <a:r>
+              <a:rPr lang="fr-FR" dirty="0"/>
+              <a:t>Home</a:t>
+            </a:r>
+          </a:p>
+        </p:txBody>
+      </p:sp>
+      <p:sp>
+        <p:nvSpPr>
+          <p:cNvPr id="9" name="Rectangle 8">
+            <a:extLst>
+              <a:ext uri="{FF2B5EF4-FFF2-40B4-BE49-F238E27FC236}">
+                <a16:creationId xmlns:a16="http://schemas.microsoft.com/office/drawing/2014/main" id="{DF2F8CCB-5D73-412A-A208-C394ACDDB69C}"/>
+              </a:ext>
+            </a:extLst>
+          </p:cNvPr>
+          <p:cNvSpPr/>
+          <p:nvPr/>
+        </p:nvSpPr>
+        <p:spPr>
+          <a:xfrm>
+            <a:off x="2524125" y="1500188"/>
+            <a:ext cx="1466850" cy="371472"/>
+          </a:xfrm>
+          <a:prstGeom prst="rect">
+            <a:avLst/>
+          </a:prstGeom>
+        </p:spPr>
+        <p:style>
+          <a:lnRef idx="2">
+            <a:schemeClr val="accent1">
+              <a:shade val="50000"/>
+            </a:schemeClr>
+          </a:lnRef>
+          <a:fillRef idx="1">
+            <a:schemeClr val="accent1"/>
+          </a:fillRef>
+          <a:effectRef idx="0">
+            <a:schemeClr val="accent1"/>
+          </a:effectRef>
+          <a:fontRef idx="minor">
+            <a:schemeClr val="lt1"/>
+          </a:fontRef>
+        </p:style>
+        <p:txBody>
+          <a:bodyPr rtlCol="0" anchor="ctr"/>
+          <a:lstStyle/>
+          <a:p>
+            <a:pPr algn="ctr"/>
+            <a:r>
+              <a:rPr lang="fr-FR" dirty="0"/>
+              <a:t>Stock</a:t>
+            </a:r>
+          </a:p>
+        </p:txBody>
+      </p:sp>
+      <p:sp>
+        <p:nvSpPr>
+          <p:cNvPr id="10" name="Rectangle 9">
+            <a:extLst>
+              <a:ext uri="{FF2B5EF4-FFF2-40B4-BE49-F238E27FC236}">
+                <a16:creationId xmlns:a16="http://schemas.microsoft.com/office/drawing/2014/main" id="{125F76EE-61DF-4074-A00E-352FEF42AE10}"/>
+              </a:ext>
+            </a:extLst>
+          </p:cNvPr>
+          <p:cNvSpPr/>
+          <p:nvPr/>
+        </p:nvSpPr>
+        <p:spPr>
+          <a:xfrm>
+            <a:off x="4055270" y="1495425"/>
+            <a:ext cx="1466850" cy="371472"/>
+          </a:xfrm>
+          <a:prstGeom prst="rect">
+            <a:avLst/>
+          </a:prstGeom>
+        </p:spPr>
+        <p:style>
+          <a:lnRef idx="2">
+            <a:schemeClr val="accent1">
+              <a:shade val="50000"/>
+            </a:schemeClr>
+          </a:lnRef>
+          <a:fillRef idx="1">
+            <a:schemeClr val="accent1"/>
+          </a:fillRef>
+          <a:effectRef idx="0">
+            <a:schemeClr val="accent1"/>
+          </a:effectRef>
+          <a:fontRef idx="minor">
+            <a:schemeClr val="lt1"/>
+          </a:fontRef>
+        </p:style>
+        <p:txBody>
+          <a:bodyPr rtlCol="0" anchor="ctr"/>
+          <a:lstStyle/>
+          <a:p>
+            <a:pPr algn="ctr"/>
+            <a:r>
+              <a:rPr lang="fr-FR" dirty="0" err="1"/>
+              <a:t>Create</a:t>
+            </a:r>
+            <a:endParaRPr lang="fr-FR" dirty="0"/>
+          </a:p>
+        </p:txBody>
+      </p:sp>
+      <p:sp>
+        <p:nvSpPr>
+          <p:cNvPr id="11" name="Rectangle 10">
+            <a:extLst>
+              <a:ext uri="{FF2B5EF4-FFF2-40B4-BE49-F238E27FC236}">
+                <a16:creationId xmlns:a16="http://schemas.microsoft.com/office/drawing/2014/main" id="{9B838001-6C5F-445E-8B0E-4590346C1CA0}"/>
+              </a:ext>
+            </a:extLst>
+          </p:cNvPr>
+          <p:cNvSpPr/>
+          <p:nvPr/>
+        </p:nvSpPr>
+        <p:spPr>
+          <a:xfrm>
+            <a:off x="904875" y="2376488"/>
+            <a:ext cx="5100638" cy="371465"/>
+          </a:xfrm>
+          <a:prstGeom prst="rect">
+            <a:avLst/>
+          </a:prstGeom>
+        </p:spPr>
+        <p:style>
+          <a:lnRef idx="2">
+            <a:schemeClr val="accent1">
+              <a:shade val="50000"/>
+            </a:schemeClr>
+          </a:lnRef>
+          <a:fillRef idx="1">
+            <a:schemeClr val="accent1"/>
+          </a:fillRef>
+          <a:effectRef idx="0">
+            <a:schemeClr val="accent1"/>
+          </a:effectRef>
+          <a:fontRef idx="minor">
+            <a:schemeClr val="lt1"/>
+          </a:fontRef>
+        </p:style>
+        <p:txBody>
+          <a:bodyPr rtlCol="0" anchor="ctr"/>
+          <a:lstStyle/>
+          <a:p>
+            <a:pPr algn="ctr"/>
+            <a:r>
+              <a:rPr lang="fr-FR" dirty="0"/>
+              <a:t>Articles</a:t>
+            </a:r>
+          </a:p>
+        </p:txBody>
+      </p:sp>
+    </p:spTree>
+    <p:extLst>
+      <p:ext uri="{BB962C8B-B14F-4D97-AF65-F5344CB8AC3E}">
+        <p14:creationId xmlns:p14="http://schemas.microsoft.com/office/powerpoint/2010/main" val="2323130354"/>
       </p:ext>
     </p:extLst>
   </p:cSld>

--- a/notes.pptx
+++ b/notes.pptx
@@ -11,6 +11,8 @@
     <p:sldId id="259" r:id="rId5"/>
     <p:sldId id="260" r:id="rId6"/>
     <p:sldId id="261" r:id="rId7"/>
+    <p:sldId id="262" r:id="rId8"/>
+    <p:sldId id="263" r:id="rId9"/>
   </p:sldIdLst>
   <p:sldSz cx="12192000" cy="6858000"/>
   <p:notesSz cx="6858000" cy="9144000"/>
@@ -109,6 +111,11 @@
       </a:defRPr>
     </a:lvl9pPr>
   </p:defaultTextStyle>
+  <p:extLst>
+    <p:ext uri="{EFAFB233-063F-42B5-8137-9DF3F51BA10A}">
+      <p15:sldGuideLst xmlns:p15="http://schemas.microsoft.com/office/powerpoint/2012/main"/>
+    </p:ext>
+  </p:extLst>
 </p:presentation>
 </file>
 
@@ -261,7 +268,7 @@
           <a:p>
             <a:fld id="{BB2F3524-2003-4F17-B837-632735CE37F4}" type="datetimeFigureOut">
               <a:rPr lang="fr-FR" smtClean="0"/>
-              <a:t>15/12/2020</a:t>
+              <a:t>16/12/2020</a:t>
             </a:fld>
             <a:endParaRPr lang="fr-FR"/>
           </a:p>
@@ -461,7 +468,7 @@
           <a:p>
             <a:fld id="{BB2F3524-2003-4F17-B837-632735CE37F4}" type="datetimeFigureOut">
               <a:rPr lang="fr-FR" smtClean="0"/>
-              <a:t>15/12/2020</a:t>
+              <a:t>16/12/2020</a:t>
             </a:fld>
             <a:endParaRPr lang="fr-FR"/>
           </a:p>
@@ -671,7 +678,7 @@
           <a:p>
             <a:fld id="{BB2F3524-2003-4F17-B837-632735CE37F4}" type="datetimeFigureOut">
               <a:rPr lang="fr-FR" smtClean="0"/>
-              <a:t>15/12/2020</a:t>
+              <a:t>16/12/2020</a:t>
             </a:fld>
             <a:endParaRPr lang="fr-FR"/>
           </a:p>
@@ -871,7 +878,7 @@
           <a:p>
             <a:fld id="{BB2F3524-2003-4F17-B837-632735CE37F4}" type="datetimeFigureOut">
               <a:rPr lang="fr-FR" smtClean="0"/>
-              <a:t>15/12/2020</a:t>
+              <a:t>16/12/2020</a:t>
             </a:fld>
             <a:endParaRPr lang="fr-FR"/>
           </a:p>
@@ -1147,7 +1154,7 @@
           <a:p>
             <a:fld id="{BB2F3524-2003-4F17-B837-632735CE37F4}" type="datetimeFigureOut">
               <a:rPr lang="fr-FR" smtClean="0"/>
-              <a:t>15/12/2020</a:t>
+              <a:t>16/12/2020</a:t>
             </a:fld>
             <a:endParaRPr lang="fr-FR"/>
           </a:p>
@@ -1415,7 +1422,7 @@
           <a:p>
             <a:fld id="{BB2F3524-2003-4F17-B837-632735CE37F4}" type="datetimeFigureOut">
               <a:rPr lang="fr-FR" smtClean="0"/>
-              <a:t>15/12/2020</a:t>
+              <a:t>16/12/2020</a:t>
             </a:fld>
             <a:endParaRPr lang="fr-FR"/>
           </a:p>
@@ -1830,7 +1837,7 @@
           <a:p>
             <a:fld id="{BB2F3524-2003-4F17-B837-632735CE37F4}" type="datetimeFigureOut">
               <a:rPr lang="fr-FR" smtClean="0"/>
-              <a:t>15/12/2020</a:t>
+              <a:t>16/12/2020</a:t>
             </a:fld>
             <a:endParaRPr lang="fr-FR"/>
           </a:p>
@@ -1972,7 +1979,7 @@
           <a:p>
             <a:fld id="{BB2F3524-2003-4F17-B837-632735CE37F4}" type="datetimeFigureOut">
               <a:rPr lang="fr-FR" smtClean="0"/>
-              <a:t>15/12/2020</a:t>
+              <a:t>16/12/2020</a:t>
             </a:fld>
             <a:endParaRPr lang="fr-FR"/>
           </a:p>
@@ -2085,7 +2092,7 @@
           <a:p>
             <a:fld id="{BB2F3524-2003-4F17-B837-632735CE37F4}" type="datetimeFigureOut">
               <a:rPr lang="fr-FR" smtClean="0"/>
-              <a:t>15/12/2020</a:t>
+              <a:t>16/12/2020</a:t>
             </a:fld>
             <a:endParaRPr lang="fr-FR"/>
           </a:p>
@@ -2398,7 +2405,7 @@
           <a:p>
             <a:fld id="{BB2F3524-2003-4F17-B837-632735CE37F4}" type="datetimeFigureOut">
               <a:rPr lang="fr-FR" smtClean="0"/>
-              <a:t>15/12/2020</a:t>
+              <a:t>16/12/2020</a:t>
             </a:fld>
             <a:endParaRPr lang="fr-FR"/>
           </a:p>
@@ -2687,7 +2694,7 @@
           <a:p>
             <a:fld id="{BB2F3524-2003-4F17-B837-632735CE37F4}" type="datetimeFigureOut">
               <a:rPr lang="fr-FR" smtClean="0"/>
-              <a:t>15/12/2020</a:t>
+              <a:t>16/12/2020</a:t>
             </a:fld>
             <a:endParaRPr lang="fr-FR"/>
           </a:p>
@@ -2930,7 +2937,7 @@
           <a:p>
             <a:fld id="{BB2F3524-2003-4F17-B837-632735CE37F4}" type="datetimeFigureOut">
               <a:rPr lang="fr-FR" smtClean="0"/>
-              <a:t>15/12/2020</a:t>
+              <a:t>16/12/2020</a:t>
             </a:fld>
             <a:endParaRPr lang="fr-FR"/>
           </a:p>
@@ -6669,6 +6676,1126 @@
     <p:extLst>
       <p:ext uri="{BB962C8B-B14F-4D97-AF65-F5344CB8AC3E}">
         <p14:creationId xmlns:p14="http://schemas.microsoft.com/office/powerpoint/2010/main" val="2323130354"/>
+      </p:ext>
+    </p:extLst>
+  </p:cSld>
+  <p:clrMapOvr>
+    <a:masterClrMapping/>
+  </p:clrMapOvr>
+</p:sld>
+</file>
+
+<file path=ppt/slides/slide7.xml><?xml version="1.0" encoding="utf-8"?>
+<p:sld xmlns:a="http://schemas.openxmlformats.org/drawingml/2006/main" xmlns:r="http://schemas.openxmlformats.org/officeDocument/2006/relationships" xmlns:p="http://schemas.openxmlformats.org/presentationml/2006/main">
+  <p:cSld>
+    <p:spTree>
+      <p:nvGrpSpPr>
+        <p:cNvPr id="1" name=""/>
+        <p:cNvGrpSpPr/>
+        <p:nvPr/>
+      </p:nvGrpSpPr>
+      <p:grpSpPr>
+        <a:xfrm>
+          <a:off x="0" y="0"/>
+          <a:ext cx="0" cy="0"/>
+          <a:chOff x="0" y="0"/>
+          <a:chExt cx="0" cy="0"/>
+        </a:xfrm>
+      </p:grpSpPr>
+      <p:cxnSp>
+        <p:nvCxnSpPr>
+          <p:cNvPr id="5" name="Straight Connector 4">
+            <a:extLst>
+              <a:ext uri="{FF2B5EF4-FFF2-40B4-BE49-F238E27FC236}">
+                <a16:creationId xmlns:a16="http://schemas.microsoft.com/office/drawing/2014/main" id="{7EFE1D9A-AF15-4992-9355-0896E2304DAB}"/>
+              </a:ext>
+            </a:extLst>
+          </p:cNvPr>
+          <p:cNvCxnSpPr/>
+          <p:nvPr/>
+        </p:nvCxnSpPr>
+        <p:spPr>
+          <a:xfrm>
+            <a:off x="2805953" y="802341"/>
+            <a:ext cx="0" cy="4831977"/>
+          </a:xfrm>
+          <a:prstGeom prst="line">
+            <a:avLst/>
+          </a:prstGeom>
+          <a:ln w="76200"/>
+        </p:spPr>
+        <p:style>
+          <a:lnRef idx="1">
+            <a:schemeClr val="accent1"/>
+          </a:lnRef>
+          <a:fillRef idx="0">
+            <a:schemeClr val="accent1"/>
+          </a:fillRef>
+          <a:effectRef idx="0">
+            <a:schemeClr val="accent1"/>
+          </a:effectRef>
+          <a:fontRef idx="minor">
+            <a:schemeClr val="tx1"/>
+          </a:fontRef>
+        </p:style>
+      </p:cxnSp>
+      <p:cxnSp>
+        <p:nvCxnSpPr>
+          <p:cNvPr id="7" name="Straight Connector 6">
+            <a:extLst>
+              <a:ext uri="{FF2B5EF4-FFF2-40B4-BE49-F238E27FC236}">
+                <a16:creationId xmlns:a16="http://schemas.microsoft.com/office/drawing/2014/main" id="{368C4195-51E0-4664-833A-4A3DB234A693}"/>
+              </a:ext>
+            </a:extLst>
+          </p:cNvPr>
+          <p:cNvCxnSpPr/>
+          <p:nvPr/>
+        </p:nvCxnSpPr>
+        <p:spPr>
+          <a:xfrm>
+            <a:off x="2832847" y="1698812"/>
+            <a:ext cx="811306" cy="596153"/>
+          </a:xfrm>
+          <a:prstGeom prst="line">
+            <a:avLst/>
+          </a:prstGeom>
+          <a:ln w="76200"/>
+        </p:spPr>
+        <p:style>
+          <a:lnRef idx="1">
+            <a:schemeClr val="accent1"/>
+          </a:lnRef>
+          <a:fillRef idx="0">
+            <a:schemeClr val="accent1"/>
+          </a:fillRef>
+          <a:effectRef idx="0">
+            <a:schemeClr val="accent1"/>
+          </a:effectRef>
+          <a:fontRef idx="minor">
+            <a:schemeClr val="tx1"/>
+          </a:fontRef>
+        </p:style>
+      </p:cxnSp>
+      <p:cxnSp>
+        <p:nvCxnSpPr>
+          <p:cNvPr id="9" name="Straight Connector 8">
+            <a:extLst>
+              <a:ext uri="{FF2B5EF4-FFF2-40B4-BE49-F238E27FC236}">
+                <a16:creationId xmlns:a16="http://schemas.microsoft.com/office/drawing/2014/main" id="{26D0B02B-76FA-4FDA-8E48-FF1E60C6D2DF}"/>
+              </a:ext>
+            </a:extLst>
+          </p:cNvPr>
+          <p:cNvCxnSpPr/>
+          <p:nvPr/>
+        </p:nvCxnSpPr>
+        <p:spPr>
+          <a:xfrm>
+            <a:off x="2805953" y="3097306"/>
+            <a:ext cx="811306" cy="667870"/>
+          </a:xfrm>
+          <a:prstGeom prst="line">
+            <a:avLst/>
+          </a:prstGeom>
+          <a:ln w="76200"/>
+        </p:spPr>
+        <p:style>
+          <a:lnRef idx="1">
+            <a:schemeClr val="accent1"/>
+          </a:lnRef>
+          <a:fillRef idx="0">
+            <a:schemeClr val="accent1"/>
+          </a:fillRef>
+          <a:effectRef idx="0">
+            <a:schemeClr val="accent1"/>
+          </a:effectRef>
+          <a:fontRef idx="minor">
+            <a:schemeClr val="tx1"/>
+          </a:fontRef>
+        </p:style>
+      </p:cxnSp>
+      <p:cxnSp>
+        <p:nvCxnSpPr>
+          <p:cNvPr id="11" name="Straight Connector 10">
+            <a:extLst>
+              <a:ext uri="{FF2B5EF4-FFF2-40B4-BE49-F238E27FC236}">
+                <a16:creationId xmlns:a16="http://schemas.microsoft.com/office/drawing/2014/main" id="{54457B94-1C03-4606-977B-C9EA5FA29B1F}"/>
+              </a:ext>
+            </a:extLst>
+          </p:cNvPr>
+          <p:cNvCxnSpPr/>
+          <p:nvPr/>
+        </p:nvCxnSpPr>
+        <p:spPr>
+          <a:xfrm>
+            <a:off x="2832847" y="4406153"/>
+            <a:ext cx="896471" cy="649941"/>
+          </a:xfrm>
+          <a:prstGeom prst="line">
+            <a:avLst/>
+          </a:prstGeom>
+          <a:ln w="76200"/>
+        </p:spPr>
+        <p:style>
+          <a:lnRef idx="1">
+            <a:schemeClr val="accent1"/>
+          </a:lnRef>
+          <a:fillRef idx="0">
+            <a:schemeClr val="accent1"/>
+          </a:fillRef>
+          <a:effectRef idx="0">
+            <a:schemeClr val="accent1"/>
+          </a:effectRef>
+          <a:fontRef idx="minor">
+            <a:schemeClr val="tx1"/>
+          </a:fontRef>
+        </p:style>
+      </p:cxnSp>
+      <p:cxnSp>
+        <p:nvCxnSpPr>
+          <p:cNvPr id="13" name="Straight Connector 12">
+            <a:extLst>
+              <a:ext uri="{FF2B5EF4-FFF2-40B4-BE49-F238E27FC236}">
+                <a16:creationId xmlns:a16="http://schemas.microsoft.com/office/drawing/2014/main" id="{94240255-E3A7-4E1E-AD86-282DAB97F1F6}"/>
+              </a:ext>
+            </a:extLst>
+          </p:cNvPr>
+          <p:cNvCxnSpPr/>
+          <p:nvPr/>
+        </p:nvCxnSpPr>
+        <p:spPr>
+          <a:xfrm>
+            <a:off x="7754471" y="979395"/>
+            <a:ext cx="811306" cy="596153"/>
+          </a:xfrm>
+          <a:prstGeom prst="line">
+            <a:avLst/>
+          </a:prstGeom>
+          <a:ln w="76200"/>
+        </p:spPr>
+        <p:style>
+          <a:lnRef idx="1">
+            <a:schemeClr val="accent1"/>
+          </a:lnRef>
+          <a:fillRef idx="0">
+            <a:schemeClr val="accent1"/>
+          </a:fillRef>
+          <a:effectRef idx="0">
+            <a:schemeClr val="accent1"/>
+          </a:effectRef>
+          <a:fontRef idx="minor">
+            <a:schemeClr val="tx1"/>
+          </a:fontRef>
+        </p:style>
+      </p:cxnSp>
+      <p:cxnSp>
+        <p:nvCxnSpPr>
+          <p:cNvPr id="14" name="Straight Connector 13">
+            <a:extLst>
+              <a:ext uri="{FF2B5EF4-FFF2-40B4-BE49-F238E27FC236}">
+                <a16:creationId xmlns:a16="http://schemas.microsoft.com/office/drawing/2014/main" id="{6D13C846-A034-4632-AF5B-3F70D83987F1}"/>
+              </a:ext>
+            </a:extLst>
+          </p:cNvPr>
+          <p:cNvCxnSpPr/>
+          <p:nvPr/>
+        </p:nvCxnSpPr>
+        <p:spPr>
+          <a:xfrm>
+            <a:off x="7718612" y="1994647"/>
+            <a:ext cx="811306" cy="667870"/>
+          </a:xfrm>
+          <a:prstGeom prst="line">
+            <a:avLst/>
+          </a:prstGeom>
+          <a:ln w="76200"/>
+        </p:spPr>
+        <p:style>
+          <a:lnRef idx="1">
+            <a:schemeClr val="accent1"/>
+          </a:lnRef>
+          <a:fillRef idx="0">
+            <a:schemeClr val="accent1"/>
+          </a:fillRef>
+          <a:effectRef idx="0">
+            <a:schemeClr val="accent1"/>
+          </a:effectRef>
+          <a:fontRef idx="minor">
+            <a:schemeClr val="tx1"/>
+          </a:fontRef>
+        </p:style>
+      </p:cxnSp>
+      <p:cxnSp>
+        <p:nvCxnSpPr>
+          <p:cNvPr id="15" name="Straight Connector 14">
+            <a:extLst>
+              <a:ext uri="{FF2B5EF4-FFF2-40B4-BE49-F238E27FC236}">
+                <a16:creationId xmlns:a16="http://schemas.microsoft.com/office/drawing/2014/main" id="{CC3B17CA-73D3-4A2D-B7F1-8A10B25D7354}"/>
+              </a:ext>
+            </a:extLst>
+          </p:cNvPr>
+          <p:cNvCxnSpPr/>
+          <p:nvPr/>
+        </p:nvCxnSpPr>
+        <p:spPr>
+          <a:xfrm>
+            <a:off x="8565777" y="4226859"/>
+            <a:ext cx="896471" cy="649941"/>
+          </a:xfrm>
+          <a:prstGeom prst="line">
+            <a:avLst/>
+          </a:prstGeom>
+          <a:ln w="76200"/>
+        </p:spPr>
+        <p:style>
+          <a:lnRef idx="1">
+            <a:schemeClr val="accent1"/>
+          </a:lnRef>
+          <a:fillRef idx="0">
+            <a:schemeClr val="accent1"/>
+          </a:fillRef>
+          <a:effectRef idx="0">
+            <a:schemeClr val="accent1"/>
+          </a:effectRef>
+          <a:fontRef idx="minor">
+            <a:schemeClr val="tx1"/>
+          </a:fontRef>
+        </p:style>
+      </p:cxnSp>
+      <p:cxnSp>
+        <p:nvCxnSpPr>
+          <p:cNvPr id="17" name="Straight Connector 16">
+            <a:extLst>
+              <a:ext uri="{FF2B5EF4-FFF2-40B4-BE49-F238E27FC236}">
+                <a16:creationId xmlns:a16="http://schemas.microsoft.com/office/drawing/2014/main" id="{26E38CF3-DC7C-4D87-BA7A-56C61E1F7A8A}"/>
+              </a:ext>
+            </a:extLst>
+          </p:cNvPr>
+          <p:cNvCxnSpPr/>
+          <p:nvPr/>
+        </p:nvCxnSpPr>
+        <p:spPr>
+          <a:xfrm>
+            <a:off x="7718612" y="76200"/>
+            <a:ext cx="35859" cy="903195"/>
+          </a:xfrm>
+          <a:prstGeom prst="line">
+            <a:avLst/>
+          </a:prstGeom>
+          <a:ln w="76200"/>
+        </p:spPr>
+        <p:style>
+          <a:lnRef idx="1">
+            <a:schemeClr val="accent1"/>
+          </a:lnRef>
+          <a:fillRef idx="0">
+            <a:schemeClr val="accent1"/>
+          </a:fillRef>
+          <a:effectRef idx="0">
+            <a:schemeClr val="accent1"/>
+          </a:effectRef>
+          <a:fontRef idx="minor">
+            <a:schemeClr val="tx1"/>
+          </a:fontRef>
+        </p:style>
+      </p:cxnSp>
+      <p:cxnSp>
+        <p:nvCxnSpPr>
+          <p:cNvPr id="19" name="Straight Connector 18">
+            <a:extLst>
+              <a:ext uri="{FF2B5EF4-FFF2-40B4-BE49-F238E27FC236}">
+                <a16:creationId xmlns:a16="http://schemas.microsoft.com/office/drawing/2014/main" id="{C06F2DF7-30C5-4B00-A5AF-F1B071602C0A}"/>
+              </a:ext>
+            </a:extLst>
+          </p:cNvPr>
+          <p:cNvCxnSpPr/>
+          <p:nvPr/>
+        </p:nvCxnSpPr>
+        <p:spPr>
+          <a:xfrm>
+            <a:off x="7687235" y="979395"/>
+            <a:ext cx="31377" cy="988358"/>
+          </a:xfrm>
+          <a:prstGeom prst="line">
+            <a:avLst/>
+          </a:prstGeom>
+          <a:ln w="76200"/>
+        </p:spPr>
+        <p:style>
+          <a:lnRef idx="1">
+            <a:schemeClr val="accent1"/>
+          </a:lnRef>
+          <a:fillRef idx="0">
+            <a:schemeClr val="accent1"/>
+          </a:fillRef>
+          <a:effectRef idx="0">
+            <a:schemeClr val="accent1"/>
+          </a:effectRef>
+          <a:fontRef idx="minor">
+            <a:schemeClr val="tx1"/>
+          </a:fontRef>
+        </p:style>
+      </p:cxnSp>
+      <p:cxnSp>
+        <p:nvCxnSpPr>
+          <p:cNvPr id="21" name="Straight Connector 20">
+            <a:extLst>
+              <a:ext uri="{FF2B5EF4-FFF2-40B4-BE49-F238E27FC236}">
+                <a16:creationId xmlns:a16="http://schemas.microsoft.com/office/drawing/2014/main" id="{1BA7B459-563C-4CBE-B54B-A48F5069B01C}"/>
+              </a:ext>
+            </a:extLst>
+          </p:cNvPr>
+          <p:cNvCxnSpPr/>
+          <p:nvPr/>
+        </p:nvCxnSpPr>
+        <p:spPr>
+          <a:xfrm>
+            <a:off x="8489576" y="2662517"/>
+            <a:ext cx="0" cy="762003"/>
+          </a:xfrm>
+          <a:prstGeom prst="line">
+            <a:avLst/>
+          </a:prstGeom>
+          <a:ln w="76200"/>
+        </p:spPr>
+        <p:style>
+          <a:lnRef idx="1">
+            <a:schemeClr val="accent1"/>
+          </a:lnRef>
+          <a:fillRef idx="0">
+            <a:schemeClr val="accent1"/>
+          </a:fillRef>
+          <a:effectRef idx="0">
+            <a:schemeClr val="accent1"/>
+          </a:effectRef>
+          <a:fontRef idx="minor">
+            <a:schemeClr val="tx1"/>
+          </a:fontRef>
+        </p:style>
+      </p:cxnSp>
+      <p:cxnSp>
+        <p:nvCxnSpPr>
+          <p:cNvPr id="23" name="Straight Connector 22">
+            <a:extLst>
+              <a:ext uri="{FF2B5EF4-FFF2-40B4-BE49-F238E27FC236}">
+                <a16:creationId xmlns:a16="http://schemas.microsoft.com/office/drawing/2014/main" id="{68B04AE0-547A-451A-94E7-9642D681A98F}"/>
+              </a:ext>
+            </a:extLst>
+          </p:cNvPr>
+          <p:cNvCxnSpPr/>
+          <p:nvPr/>
+        </p:nvCxnSpPr>
+        <p:spPr>
+          <a:xfrm>
+            <a:off x="8529918" y="3464859"/>
+            <a:ext cx="672353" cy="358588"/>
+          </a:xfrm>
+          <a:prstGeom prst="line">
+            <a:avLst/>
+          </a:prstGeom>
+          <a:ln w="76200"/>
+        </p:spPr>
+        <p:style>
+          <a:lnRef idx="1">
+            <a:schemeClr val="accent1"/>
+          </a:lnRef>
+          <a:fillRef idx="0">
+            <a:schemeClr val="accent1"/>
+          </a:fillRef>
+          <a:effectRef idx="0">
+            <a:schemeClr val="accent1"/>
+          </a:effectRef>
+          <a:fontRef idx="minor">
+            <a:schemeClr val="tx1"/>
+          </a:fontRef>
+        </p:style>
+      </p:cxnSp>
+      <p:cxnSp>
+        <p:nvCxnSpPr>
+          <p:cNvPr id="25" name="Straight Connector 24">
+            <a:extLst>
+              <a:ext uri="{FF2B5EF4-FFF2-40B4-BE49-F238E27FC236}">
+                <a16:creationId xmlns:a16="http://schemas.microsoft.com/office/drawing/2014/main" id="{1F499932-1356-4489-AFBF-A6AFE376258B}"/>
+              </a:ext>
+            </a:extLst>
+          </p:cNvPr>
+          <p:cNvCxnSpPr/>
+          <p:nvPr/>
+        </p:nvCxnSpPr>
+        <p:spPr>
+          <a:xfrm>
+            <a:off x="8529918" y="3558989"/>
+            <a:ext cx="35859" cy="649941"/>
+          </a:xfrm>
+          <a:prstGeom prst="line">
+            <a:avLst/>
+          </a:prstGeom>
+          <a:ln w="76200"/>
+        </p:spPr>
+        <p:style>
+          <a:lnRef idx="1">
+            <a:schemeClr val="accent1"/>
+          </a:lnRef>
+          <a:fillRef idx="0">
+            <a:schemeClr val="accent1"/>
+          </a:fillRef>
+          <a:effectRef idx="0">
+            <a:schemeClr val="accent1"/>
+          </a:effectRef>
+          <a:fontRef idx="minor">
+            <a:schemeClr val="tx1"/>
+          </a:fontRef>
+        </p:style>
+      </p:cxnSp>
+      <p:cxnSp>
+        <p:nvCxnSpPr>
+          <p:cNvPr id="27" name="Straight Connector 26">
+            <a:extLst>
+              <a:ext uri="{FF2B5EF4-FFF2-40B4-BE49-F238E27FC236}">
+                <a16:creationId xmlns:a16="http://schemas.microsoft.com/office/drawing/2014/main" id="{8D5322D8-574F-4A9B-854B-F76E52172E53}"/>
+              </a:ext>
+            </a:extLst>
+          </p:cNvPr>
+          <p:cNvCxnSpPr/>
+          <p:nvPr/>
+        </p:nvCxnSpPr>
+        <p:spPr>
+          <a:xfrm>
+            <a:off x="9471212" y="4970930"/>
+            <a:ext cx="0" cy="632012"/>
+          </a:xfrm>
+          <a:prstGeom prst="line">
+            <a:avLst/>
+          </a:prstGeom>
+          <a:ln w="76200"/>
+        </p:spPr>
+        <p:style>
+          <a:lnRef idx="1">
+            <a:schemeClr val="accent1"/>
+          </a:lnRef>
+          <a:fillRef idx="0">
+            <a:schemeClr val="accent1"/>
+          </a:fillRef>
+          <a:effectRef idx="0">
+            <a:schemeClr val="accent1"/>
+          </a:effectRef>
+          <a:fontRef idx="minor">
+            <a:schemeClr val="tx1"/>
+          </a:fontRef>
+        </p:style>
+      </p:cxnSp>
+      <p:cxnSp>
+        <p:nvCxnSpPr>
+          <p:cNvPr id="29" name="Straight Connector 28">
+            <a:extLst>
+              <a:ext uri="{FF2B5EF4-FFF2-40B4-BE49-F238E27FC236}">
+                <a16:creationId xmlns:a16="http://schemas.microsoft.com/office/drawing/2014/main" id="{E010EA11-64A8-40A9-8EBC-E220AC1F3505}"/>
+              </a:ext>
+            </a:extLst>
+          </p:cNvPr>
+          <p:cNvCxnSpPr/>
+          <p:nvPr/>
+        </p:nvCxnSpPr>
+        <p:spPr>
+          <a:xfrm>
+            <a:off x="9529482" y="5553636"/>
+            <a:ext cx="945777" cy="430306"/>
+          </a:xfrm>
+          <a:prstGeom prst="line">
+            <a:avLst/>
+          </a:prstGeom>
+          <a:ln w="76200"/>
+        </p:spPr>
+        <p:style>
+          <a:lnRef idx="1">
+            <a:schemeClr val="accent1"/>
+          </a:lnRef>
+          <a:fillRef idx="0">
+            <a:schemeClr val="accent1"/>
+          </a:fillRef>
+          <a:effectRef idx="0">
+            <a:schemeClr val="accent1"/>
+          </a:effectRef>
+          <a:fontRef idx="minor">
+            <a:schemeClr val="tx1"/>
+          </a:fontRef>
+        </p:style>
+      </p:cxnSp>
+      <p:cxnSp>
+        <p:nvCxnSpPr>
+          <p:cNvPr id="31" name="Straight Connector 30">
+            <a:extLst>
+              <a:ext uri="{FF2B5EF4-FFF2-40B4-BE49-F238E27FC236}">
+                <a16:creationId xmlns:a16="http://schemas.microsoft.com/office/drawing/2014/main" id="{BA7139DB-A661-4577-BA5D-18C8F3C6E01B}"/>
+              </a:ext>
+            </a:extLst>
+          </p:cNvPr>
+          <p:cNvCxnSpPr/>
+          <p:nvPr/>
+        </p:nvCxnSpPr>
+        <p:spPr>
+          <a:xfrm flipH="1">
+            <a:off x="8225118" y="5602942"/>
+            <a:ext cx="1246094" cy="690282"/>
+          </a:xfrm>
+          <a:prstGeom prst="line">
+            <a:avLst/>
+          </a:prstGeom>
+          <a:ln w="76200"/>
+        </p:spPr>
+        <p:style>
+          <a:lnRef idx="1">
+            <a:schemeClr val="accent1"/>
+          </a:lnRef>
+          <a:fillRef idx="0">
+            <a:schemeClr val="accent1"/>
+          </a:fillRef>
+          <a:effectRef idx="0">
+            <a:schemeClr val="accent1"/>
+          </a:effectRef>
+          <a:fontRef idx="minor">
+            <a:schemeClr val="tx1"/>
+          </a:fontRef>
+        </p:style>
+      </p:cxnSp>
+    </p:spTree>
+    <p:extLst>
+      <p:ext uri="{BB962C8B-B14F-4D97-AF65-F5344CB8AC3E}">
+        <p14:creationId xmlns:p14="http://schemas.microsoft.com/office/powerpoint/2010/main" val="1534905262"/>
+      </p:ext>
+    </p:extLst>
+  </p:cSld>
+  <p:clrMapOvr>
+    <a:masterClrMapping/>
+  </p:clrMapOvr>
+</p:sld>
+</file>
+
+<file path=ppt/slides/slide8.xml><?xml version="1.0" encoding="utf-8"?>
+<p:sld xmlns:a="http://schemas.openxmlformats.org/drawingml/2006/main" xmlns:r="http://schemas.openxmlformats.org/officeDocument/2006/relationships" xmlns:p="http://schemas.openxmlformats.org/presentationml/2006/main">
+  <p:cSld>
+    <p:spTree>
+      <p:nvGrpSpPr>
+        <p:cNvPr id="1" name=""/>
+        <p:cNvGrpSpPr/>
+        <p:nvPr/>
+      </p:nvGrpSpPr>
+      <p:grpSpPr>
+        <a:xfrm>
+          <a:off x="0" y="0"/>
+          <a:ext cx="0" cy="0"/>
+          <a:chOff x="0" y="0"/>
+          <a:chExt cx="0" cy="0"/>
+        </a:xfrm>
+      </p:grpSpPr>
+      <p:cxnSp>
+        <p:nvCxnSpPr>
+          <p:cNvPr id="5" name="Straight Arrow Connector 4">
+            <a:extLst>
+              <a:ext uri="{FF2B5EF4-FFF2-40B4-BE49-F238E27FC236}">
+                <a16:creationId xmlns:a16="http://schemas.microsoft.com/office/drawing/2014/main" id="{C47C3F9D-9458-49E4-BF3F-34605FE1B5C3}"/>
+              </a:ext>
+            </a:extLst>
+          </p:cNvPr>
+          <p:cNvCxnSpPr/>
+          <p:nvPr/>
+        </p:nvCxnSpPr>
+        <p:spPr>
+          <a:xfrm flipV="1">
+            <a:off x="286871" y="1609165"/>
+            <a:ext cx="11573435" cy="76200"/>
+          </a:xfrm>
+          <a:prstGeom prst="straightConnector1">
+            <a:avLst/>
+          </a:prstGeom>
+          <a:ln w="76200">
+            <a:tailEnd type="triangle"/>
+          </a:ln>
+        </p:spPr>
+        <p:style>
+          <a:lnRef idx="1">
+            <a:schemeClr val="accent1"/>
+          </a:lnRef>
+          <a:fillRef idx="0">
+            <a:schemeClr val="accent1"/>
+          </a:fillRef>
+          <a:effectRef idx="0">
+            <a:schemeClr val="accent1"/>
+          </a:effectRef>
+          <a:fontRef idx="minor">
+            <a:schemeClr val="tx1"/>
+          </a:fontRef>
+        </p:style>
+      </p:cxnSp>
+      <p:cxnSp>
+        <p:nvCxnSpPr>
+          <p:cNvPr id="7" name="Straight Connector 6">
+            <a:extLst>
+              <a:ext uri="{FF2B5EF4-FFF2-40B4-BE49-F238E27FC236}">
+                <a16:creationId xmlns:a16="http://schemas.microsoft.com/office/drawing/2014/main" id="{92981724-0091-4710-8110-AA1C34B2A349}"/>
+              </a:ext>
+            </a:extLst>
+          </p:cNvPr>
+          <p:cNvCxnSpPr/>
+          <p:nvPr/>
+        </p:nvCxnSpPr>
+        <p:spPr>
+          <a:xfrm>
+            <a:off x="900953" y="1313329"/>
+            <a:ext cx="0" cy="721659"/>
+          </a:xfrm>
+          <a:prstGeom prst="line">
+            <a:avLst/>
+          </a:prstGeom>
+          <a:ln w="76200"/>
+        </p:spPr>
+        <p:style>
+          <a:lnRef idx="1">
+            <a:schemeClr val="accent1"/>
+          </a:lnRef>
+          <a:fillRef idx="0">
+            <a:schemeClr val="accent1"/>
+          </a:fillRef>
+          <a:effectRef idx="0">
+            <a:schemeClr val="accent1"/>
+          </a:effectRef>
+          <a:fontRef idx="minor">
+            <a:schemeClr val="tx1"/>
+          </a:fontRef>
+        </p:style>
+      </p:cxnSp>
+      <p:sp>
+        <p:nvSpPr>
+          <p:cNvPr id="8" name="Oval 7">
+            <a:extLst>
+              <a:ext uri="{FF2B5EF4-FFF2-40B4-BE49-F238E27FC236}">
+                <a16:creationId xmlns:a16="http://schemas.microsoft.com/office/drawing/2014/main" id="{CED0604D-6E3A-457C-972E-B0B3C613065D}"/>
+              </a:ext>
+            </a:extLst>
+          </p:cNvPr>
+          <p:cNvSpPr/>
+          <p:nvPr/>
+        </p:nvSpPr>
+        <p:spPr>
+          <a:xfrm>
+            <a:off x="1940859" y="1353671"/>
+            <a:ext cx="605110" cy="609600"/>
+          </a:xfrm>
+          <a:prstGeom prst="ellipse">
+            <a:avLst/>
+          </a:prstGeom>
+        </p:spPr>
+        <p:style>
+          <a:lnRef idx="2">
+            <a:schemeClr val="accent1">
+              <a:shade val="50000"/>
+            </a:schemeClr>
+          </a:lnRef>
+          <a:fillRef idx="1">
+            <a:schemeClr val="accent1"/>
+          </a:fillRef>
+          <a:effectRef idx="0">
+            <a:schemeClr val="accent1"/>
+          </a:effectRef>
+          <a:fontRef idx="minor">
+            <a:schemeClr val="lt1"/>
+          </a:fontRef>
+        </p:style>
+        <p:txBody>
+          <a:bodyPr rtlCol="0" anchor="ctr"/>
+          <a:lstStyle/>
+          <a:p>
+            <a:pPr algn="ctr"/>
+            <a:endParaRPr lang="fr-FR"/>
+          </a:p>
+        </p:txBody>
+      </p:sp>
+      <p:sp>
+        <p:nvSpPr>
+          <p:cNvPr id="9" name="Oval 8">
+            <a:extLst>
+              <a:ext uri="{FF2B5EF4-FFF2-40B4-BE49-F238E27FC236}">
+                <a16:creationId xmlns:a16="http://schemas.microsoft.com/office/drawing/2014/main" id="{4AB98D4C-DD8D-4671-ABED-8603BF95AD0E}"/>
+              </a:ext>
+            </a:extLst>
+          </p:cNvPr>
+          <p:cNvSpPr/>
+          <p:nvPr/>
+        </p:nvSpPr>
+        <p:spPr>
+          <a:xfrm>
+            <a:off x="3218330" y="1342465"/>
+            <a:ext cx="605110" cy="609600"/>
+          </a:xfrm>
+          <a:prstGeom prst="ellipse">
+            <a:avLst/>
+          </a:prstGeom>
+        </p:spPr>
+        <p:style>
+          <a:lnRef idx="2">
+            <a:schemeClr val="accent1">
+              <a:shade val="50000"/>
+            </a:schemeClr>
+          </a:lnRef>
+          <a:fillRef idx="1">
+            <a:schemeClr val="accent1"/>
+          </a:fillRef>
+          <a:effectRef idx="0">
+            <a:schemeClr val="accent1"/>
+          </a:effectRef>
+          <a:fontRef idx="minor">
+            <a:schemeClr val="lt1"/>
+          </a:fontRef>
+        </p:style>
+        <p:txBody>
+          <a:bodyPr rtlCol="0" anchor="ctr"/>
+          <a:lstStyle/>
+          <a:p>
+            <a:pPr algn="ctr"/>
+            <a:endParaRPr lang="fr-FR"/>
+          </a:p>
+        </p:txBody>
+      </p:sp>
+      <p:sp>
+        <p:nvSpPr>
+          <p:cNvPr id="10" name="Oval 9">
+            <a:extLst>
+              <a:ext uri="{FF2B5EF4-FFF2-40B4-BE49-F238E27FC236}">
+                <a16:creationId xmlns:a16="http://schemas.microsoft.com/office/drawing/2014/main" id="{5F28947B-DCE8-43E6-9F27-18885AEBF0D2}"/>
+              </a:ext>
+            </a:extLst>
+          </p:cNvPr>
+          <p:cNvSpPr/>
+          <p:nvPr/>
+        </p:nvSpPr>
+        <p:spPr>
+          <a:xfrm>
+            <a:off x="4903694" y="1342465"/>
+            <a:ext cx="605110" cy="609600"/>
+          </a:xfrm>
+          <a:prstGeom prst="ellipse">
+            <a:avLst/>
+          </a:prstGeom>
+        </p:spPr>
+        <p:style>
+          <a:lnRef idx="2">
+            <a:schemeClr val="accent1">
+              <a:shade val="50000"/>
+            </a:schemeClr>
+          </a:lnRef>
+          <a:fillRef idx="1">
+            <a:schemeClr val="accent1"/>
+          </a:fillRef>
+          <a:effectRef idx="0">
+            <a:schemeClr val="accent1"/>
+          </a:effectRef>
+          <a:fontRef idx="minor">
+            <a:schemeClr val="lt1"/>
+          </a:fontRef>
+        </p:style>
+        <p:txBody>
+          <a:bodyPr rtlCol="0" anchor="ctr"/>
+          <a:lstStyle/>
+          <a:p>
+            <a:pPr algn="ctr"/>
+            <a:endParaRPr lang="fr-FR"/>
+          </a:p>
+        </p:txBody>
+      </p:sp>
+      <p:cxnSp>
+        <p:nvCxnSpPr>
+          <p:cNvPr id="12" name="Straight Connector 11">
+            <a:extLst>
+              <a:ext uri="{FF2B5EF4-FFF2-40B4-BE49-F238E27FC236}">
+                <a16:creationId xmlns:a16="http://schemas.microsoft.com/office/drawing/2014/main" id="{5B581DE7-FC4C-4A35-B43E-C4B351586179}"/>
+              </a:ext>
+            </a:extLst>
+          </p:cNvPr>
+          <p:cNvCxnSpPr/>
+          <p:nvPr/>
+        </p:nvCxnSpPr>
+        <p:spPr>
+          <a:xfrm>
+            <a:off x="6669741" y="1138518"/>
+            <a:ext cx="0" cy="1084729"/>
+          </a:xfrm>
+          <a:prstGeom prst="line">
+            <a:avLst/>
+          </a:prstGeom>
+          <a:ln w="76200"/>
+        </p:spPr>
+        <p:style>
+          <a:lnRef idx="1">
+            <a:schemeClr val="accent1"/>
+          </a:lnRef>
+          <a:fillRef idx="0">
+            <a:schemeClr val="accent1"/>
+          </a:fillRef>
+          <a:effectRef idx="0">
+            <a:schemeClr val="accent1"/>
+          </a:effectRef>
+          <a:fontRef idx="minor">
+            <a:schemeClr val="tx1"/>
+          </a:fontRef>
+        </p:style>
+      </p:cxnSp>
+      <p:cxnSp>
+        <p:nvCxnSpPr>
+          <p:cNvPr id="14" name="Straight Connector 13">
+            <a:extLst>
+              <a:ext uri="{FF2B5EF4-FFF2-40B4-BE49-F238E27FC236}">
+                <a16:creationId xmlns:a16="http://schemas.microsoft.com/office/drawing/2014/main" id="{3A4503B5-DC58-48B0-B0DA-51D7AB3E66BF}"/>
+              </a:ext>
+            </a:extLst>
+          </p:cNvPr>
+          <p:cNvCxnSpPr/>
+          <p:nvPr/>
+        </p:nvCxnSpPr>
+        <p:spPr>
+          <a:xfrm>
+            <a:off x="5867400" y="1342465"/>
+            <a:ext cx="304800" cy="549088"/>
+          </a:xfrm>
+          <a:prstGeom prst="line">
+            <a:avLst/>
+          </a:prstGeom>
+          <a:ln w="76200"/>
+        </p:spPr>
+        <p:style>
+          <a:lnRef idx="1">
+            <a:schemeClr val="accent1"/>
+          </a:lnRef>
+          <a:fillRef idx="0">
+            <a:schemeClr val="accent1"/>
+          </a:fillRef>
+          <a:effectRef idx="0">
+            <a:schemeClr val="accent1"/>
+          </a:effectRef>
+          <a:fontRef idx="minor">
+            <a:schemeClr val="tx1"/>
+          </a:fontRef>
+        </p:style>
+      </p:cxnSp>
+      <p:cxnSp>
+        <p:nvCxnSpPr>
+          <p:cNvPr id="16" name="Straight Connector 15">
+            <a:extLst>
+              <a:ext uri="{FF2B5EF4-FFF2-40B4-BE49-F238E27FC236}">
+                <a16:creationId xmlns:a16="http://schemas.microsoft.com/office/drawing/2014/main" id="{3011ED37-A8C4-4D35-9F86-6F5E320A3980}"/>
+              </a:ext>
+            </a:extLst>
+          </p:cNvPr>
+          <p:cNvCxnSpPr/>
+          <p:nvPr/>
+        </p:nvCxnSpPr>
+        <p:spPr>
+          <a:xfrm flipH="1">
+            <a:off x="5822576" y="1313329"/>
+            <a:ext cx="318240" cy="638736"/>
+          </a:xfrm>
+          <a:prstGeom prst="line">
+            <a:avLst/>
+          </a:prstGeom>
+          <a:ln w="76200"/>
+        </p:spPr>
+        <p:style>
+          <a:lnRef idx="1">
+            <a:schemeClr val="accent1"/>
+          </a:lnRef>
+          <a:fillRef idx="0">
+            <a:schemeClr val="accent1"/>
+          </a:fillRef>
+          <a:effectRef idx="0">
+            <a:schemeClr val="accent1"/>
+          </a:effectRef>
+          <a:fontRef idx="minor">
+            <a:schemeClr val="tx1"/>
+          </a:fontRef>
+        </p:style>
+      </p:cxnSp>
+      <p:sp>
+        <p:nvSpPr>
+          <p:cNvPr id="17" name="TextBox 16">
+            <a:extLst>
+              <a:ext uri="{FF2B5EF4-FFF2-40B4-BE49-F238E27FC236}">
+                <a16:creationId xmlns:a16="http://schemas.microsoft.com/office/drawing/2014/main" id="{1FB5B684-7042-4BEC-9E66-805D23D99406}"/>
+              </a:ext>
+            </a:extLst>
+          </p:cNvPr>
+          <p:cNvSpPr txBox="1"/>
+          <p:nvPr/>
+        </p:nvSpPr>
+        <p:spPr>
+          <a:xfrm>
+            <a:off x="1916207" y="2299447"/>
+            <a:ext cx="595484" cy="369332"/>
+          </a:xfrm>
+          <a:prstGeom prst="rect">
+            <a:avLst/>
+          </a:prstGeom>
+          <a:noFill/>
+        </p:spPr>
+        <p:txBody>
+          <a:bodyPr wrap="none" rtlCol="0">
+            <a:spAutoFit/>
+          </a:bodyPr>
+          <a:lstStyle/>
+          <a:p>
+            <a:r>
+              <a:rPr lang="fr-FR" dirty="0" err="1"/>
+              <a:t>next</a:t>
+            </a:r>
+            <a:endParaRPr lang="fr-FR" dirty="0"/>
+          </a:p>
+        </p:txBody>
+      </p:sp>
+      <p:sp>
+        <p:nvSpPr>
+          <p:cNvPr id="18" name="TextBox 17">
+            <a:extLst>
+              <a:ext uri="{FF2B5EF4-FFF2-40B4-BE49-F238E27FC236}">
+                <a16:creationId xmlns:a16="http://schemas.microsoft.com/office/drawing/2014/main" id="{AADB8367-4F96-4FAF-A39B-A415E1AF04E5}"/>
+              </a:ext>
+            </a:extLst>
+          </p:cNvPr>
+          <p:cNvSpPr txBox="1"/>
+          <p:nvPr/>
+        </p:nvSpPr>
+        <p:spPr>
+          <a:xfrm>
+            <a:off x="4899204" y="2230860"/>
+            <a:ext cx="595484" cy="369332"/>
+          </a:xfrm>
+          <a:prstGeom prst="rect">
+            <a:avLst/>
+          </a:prstGeom>
+          <a:noFill/>
+        </p:spPr>
+        <p:txBody>
+          <a:bodyPr wrap="none" rtlCol="0">
+            <a:spAutoFit/>
+          </a:bodyPr>
+          <a:lstStyle/>
+          <a:p>
+            <a:r>
+              <a:rPr lang="fr-FR" dirty="0" err="1"/>
+              <a:t>next</a:t>
+            </a:r>
+            <a:endParaRPr lang="fr-FR" dirty="0"/>
+          </a:p>
+        </p:txBody>
+      </p:sp>
+      <p:sp>
+        <p:nvSpPr>
+          <p:cNvPr id="19" name="TextBox 18">
+            <a:extLst>
+              <a:ext uri="{FF2B5EF4-FFF2-40B4-BE49-F238E27FC236}">
+                <a16:creationId xmlns:a16="http://schemas.microsoft.com/office/drawing/2014/main" id="{1CFD0B86-AC0A-4AE1-BC92-EC03A52376E7}"/>
+              </a:ext>
+            </a:extLst>
+          </p:cNvPr>
+          <p:cNvSpPr txBox="1"/>
+          <p:nvPr/>
+        </p:nvSpPr>
+        <p:spPr>
+          <a:xfrm>
+            <a:off x="3157819" y="2322748"/>
+            <a:ext cx="595484" cy="369332"/>
+          </a:xfrm>
+          <a:prstGeom prst="rect">
+            <a:avLst/>
+          </a:prstGeom>
+          <a:noFill/>
+        </p:spPr>
+        <p:txBody>
+          <a:bodyPr wrap="none" rtlCol="0">
+            <a:spAutoFit/>
+          </a:bodyPr>
+          <a:lstStyle/>
+          <a:p>
+            <a:r>
+              <a:rPr lang="fr-FR" dirty="0" err="1"/>
+              <a:t>next</a:t>
+            </a:r>
+            <a:endParaRPr lang="fr-FR" dirty="0"/>
+          </a:p>
+        </p:txBody>
+      </p:sp>
+      <p:sp>
+        <p:nvSpPr>
+          <p:cNvPr id="20" name="TextBox 19">
+            <a:extLst>
+              <a:ext uri="{FF2B5EF4-FFF2-40B4-BE49-F238E27FC236}">
+                <a16:creationId xmlns:a16="http://schemas.microsoft.com/office/drawing/2014/main" id="{9EC94916-9517-45F2-BF6B-BD9BAB742ECD}"/>
+              </a:ext>
+            </a:extLst>
+          </p:cNvPr>
+          <p:cNvSpPr txBox="1"/>
+          <p:nvPr/>
+        </p:nvSpPr>
+        <p:spPr>
+          <a:xfrm>
+            <a:off x="5689943" y="2238046"/>
+            <a:ext cx="658642" cy="369332"/>
+          </a:xfrm>
+          <a:prstGeom prst="rect">
+            <a:avLst/>
+          </a:prstGeom>
+          <a:noFill/>
+        </p:spPr>
+        <p:txBody>
+          <a:bodyPr wrap="none" rtlCol="0">
+            <a:spAutoFit/>
+          </a:bodyPr>
+          <a:lstStyle/>
+          <a:p>
+            <a:r>
+              <a:rPr lang="fr-FR" dirty="0" err="1"/>
+              <a:t>error</a:t>
+            </a:r>
+            <a:endParaRPr lang="fr-FR" dirty="0"/>
+          </a:p>
+        </p:txBody>
+      </p:sp>
+      <p:sp>
+        <p:nvSpPr>
+          <p:cNvPr id="21" name="TextBox 20">
+            <a:extLst>
+              <a:ext uri="{FF2B5EF4-FFF2-40B4-BE49-F238E27FC236}">
+                <a16:creationId xmlns:a16="http://schemas.microsoft.com/office/drawing/2014/main" id="{C43FDAF2-73A8-41EF-9B18-724A2EBDC4D2}"/>
+              </a:ext>
+            </a:extLst>
+          </p:cNvPr>
+          <p:cNvSpPr txBox="1"/>
+          <p:nvPr/>
+        </p:nvSpPr>
+        <p:spPr>
+          <a:xfrm>
+            <a:off x="6543840" y="2215172"/>
+            <a:ext cx="1065484" cy="369332"/>
+          </a:xfrm>
+          <a:prstGeom prst="rect">
+            <a:avLst/>
+          </a:prstGeom>
+          <a:noFill/>
+        </p:spPr>
+        <p:txBody>
+          <a:bodyPr wrap="none" rtlCol="0">
+            <a:spAutoFit/>
+          </a:bodyPr>
+          <a:lstStyle/>
+          <a:p>
+            <a:r>
+              <a:rPr lang="fr-FR" dirty="0" err="1"/>
+              <a:t>complete</a:t>
+            </a:r>
+            <a:endParaRPr lang="fr-FR" dirty="0"/>
+          </a:p>
+        </p:txBody>
+      </p:sp>
+    </p:spTree>
+    <p:extLst>
+      <p:ext uri="{BB962C8B-B14F-4D97-AF65-F5344CB8AC3E}">
+        <p14:creationId xmlns:p14="http://schemas.microsoft.com/office/powerpoint/2010/main" val="412961817"/>
       </p:ext>
     </p:extLst>
   </p:cSld>

--- a/notes.pptx
+++ b/notes.pptx
@@ -13,6 +13,7 @@
     <p:sldId id="261" r:id="rId7"/>
     <p:sldId id="262" r:id="rId8"/>
     <p:sldId id="263" r:id="rId9"/>
+    <p:sldId id="264" r:id="rId10"/>
   </p:sldIdLst>
   <p:sldSz cx="12192000" cy="6858000"/>
   <p:notesSz cx="6858000" cy="9144000"/>
@@ -268,7 +269,7 @@
           <a:p>
             <a:fld id="{BB2F3524-2003-4F17-B837-632735CE37F4}" type="datetimeFigureOut">
               <a:rPr lang="fr-FR" smtClean="0"/>
-              <a:t>16/12/2020</a:t>
+              <a:t>17/12/2020</a:t>
             </a:fld>
             <a:endParaRPr lang="fr-FR"/>
           </a:p>
@@ -468,7 +469,7 @@
           <a:p>
             <a:fld id="{BB2F3524-2003-4F17-B837-632735CE37F4}" type="datetimeFigureOut">
               <a:rPr lang="fr-FR" smtClean="0"/>
-              <a:t>16/12/2020</a:t>
+              <a:t>17/12/2020</a:t>
             </a:fld>
             <a:endParaRPr lang="fr-FR"/>
           </a:p>
@@ -678,7 +679,7 @@
           <a:p>
             <a:fld id="{BB2F3524-2003-4F17-B837-632735CE37F4}" type="datetimeFigureOut">
               <a:rPr lang="fr-FR" smtClean="0"/>
-              <a:t>16/12/2020</a:t>
+              <a:t>17/12/2020</a:t>
             </a:fld>
             <a:endParaRPr lang="fr-FR"/>
           </a:p>
@@ -878,7 +879,7 @@
           <a:p>
             <a:fld id="{BB2F3524-2003-4F17-B837-632735CE37F4}" type="datetimeFigureOut">
               <a:rPr lang="fr-FR" smtClean="0"/>
-              <a:t>16/12/2020</a:t>
+              <a:t>17/12/2020</a:t>
             </a:fld>
             <a:endParaRPr lang="fr-FR"/>
           </a:p>
@@ -1154,7 +1155,7 @@
           <a:p>
             <a:fld id="{BB2F3524-2003-4F17-B837-632735CE37F4}" type="datetimeFigureOut">
               <a:rPr lang="fr-FR" smtClean="0"/>
-              <a:t>16/12/2020</a:t>
+              <a:t>17/12/2020</a:t>
             </a:fld>
             <a:endParaRPr lang="fr-FR"/>
           </a:p>
@@ -1422,7 +1423,7 @@
           <a:p>
             <a:fld id="{BB2F3524-2003-4F17-B837-632735CE37F4}" type="datetimeFigureOut">
               <a:rPr lang="fr-FR" smtClean="0"/>
-              <a:t>16/12/2020</a:t>
+              <a:t>17/12/2020</a:t>
             </a:fld>
             <a:endParaRPr lang="fr-FR"/>
           </a:p>
@@ -1837,7 +1838,7 @@
           <a:p>
             <a:fld id="{BB2F3524-2003-4F17-B837-632735CE37F4}" type="datetimeFigureOut">
               <a:rPr lang="fr-FR" smtClean="0"/>
-              <a:t>16/12/2020</a:t>
+              <a:t>17/12/2020</a:t>
             </a:fld>
             <a:endParaRPr lang="fr-FR"/>
           </a:p>
@@ -1979,7 +1980,7 @@
           <a:p>
             <a:fld id="{BB2F3524-2003-4F17-B837-632735CE37F4}" type="datetimeFigureOut">
               <a:rPr lang="fr-FR" smtClean="0"/>
-              <a:t>16/12/2020</a:t>
+              <a:t>17/12/2020</a:t>
             </a:fld>
             <a:endParaRPr lang="fr-FR"/>
           </a:p>
@@ -2092,7 +2093,7 @@
           <a:p>
             <a:fld id="{BB2F3524-2003-4F17-B837-632735CE37F4}" type="datetimeFigureOut">
               <a:rPr lang="fr-FR" smtClean="0"/>
-              <a:t>16/12/2020</a:t>
+              <a:t>17/12/2020</a:t>
             </a:fld>
             <a:endParaRPr lang="fr-FR"/>
           </a:p>
@@ -2405,7 +2406,7 @@
           <a:p>
             <a:fld id="{BB2F3524-2003-4F17-B837-632735CE37F4}" type="datetimeFigureOut">
               <a:rPr lang="fr-FR" smtClean="0"/>
-              <a:t>16/12/2020</a:t>
+              <a:t>17/12/2020</a:t>
             </a:fld>
             <a:endParaRPr lang="fr-FR"/>
           </a:p>
@@ -2694,7 +2695,7 @@
           <a:p>
             <a:fld id="{BB2F3524-2003-4F17-B837-632735CE37F4}" type="datetimeFigureOut">
               <a:rPr lang="fr-FR" smtClean="0"/>
-              <a:t>16/12/2020</a:t>
+              <a:t>17/12/2020</a:t>
             </a:fld>
             <a:endParaRPr lang="fr-FR"/>
           </a:p>
@@ -2937,7 +2938,7 @@
           <a:p>
             <a:fld id="{BB2F3524-2003-4F17-B837-632735CE37F4}" type="datetimeFigureOut">
               <a:rPr lang="fr-FR" smtClean="0"/>
-              <a:t>16/12/2020</a:t>
+              <a:t>17/12/2020</a:t>
             </a:fld>
             <a:endParaRPr lang="fr-FR"/>
           </a:p>
@@ -5787,15 +5788,15 @@
         </p:spPr>
         <p:style>
           <a:lnRef idx="2">
-            <a:schemeClr val="accent1">
+            <a:schemeClr val="accent3">
               <a:shade val="50000"/>
             </a:schemeClr>
           </a:lnRef>
           <a:fillRef idx="1">
-            <a:schemeClr val="accent1"/>
-          </a:fillRef>
-          <a:effectRef idx="0">
-            <a:schemeClr val="accent1"/>
+            <a:schemeClr val="accent3"/>
+          </a:fillRef>
+          <a:effectRef idx="0">
+            <a:schemeClr val="accent3"/>
           </a:effectRef>
           <a:fontRef idx="minor">
             <a:schemeClr val="lt1"/>
@@ -6020,7 +6021,7 @@
         </p:nvSpPr>
         <p:spPr>
           <a:xfrm>
-            <a:off x="1819275" y="2914649"/>
+            <a:off x="1980325" y="2776698"/>
             <a:ext cx="842963" cy="904876"/>
           </a:xfrm>
           <a:prstGeom prst="rect">
@@ -6049,6 +6050,359 @@
           <a:p>
             <a:pPr algn="ctr"/>
             <a:endParaRPr lang="fr-FR" dirty="0"/>
+          </a:p>
+        </p:txBody>
+      </p:sp>
+      <p:sp>
+        <p:nvSpPr>
+          <p:cNvPr id="10" name="Rectangle 9">
+            <a:extLst>
+              <a:ext uri="{FF2B5EF4-FFF2-40B4-BE49-F238E27FC236}">
+                <a16:creationId xmlns:a16="http://schemas.microsoft.com/office/drawing/2014/main" id="{C49A9021-7787-4EF2-A221-7B6A75EBA9C0}"/>
+              </a:ext>
+            </a:extLst>
+          </p:cNvPr>
+          <p:cNvSpPr/>
+          <p:nvPr/>
+        </p:nvSpPr>
+        <p:spPr>
+          <a:xfrm>
+            <a:off x="8274424" y="4267200"/>
+            <a:ext cx="1600200" cy="1795462"/>
+          </a:xfrm>
+          <a:prstGeom prst="rect">
+            <a:avLst/>
+          </a:prstGeom>
+        </p:spPr>
+        <p:style>
+          <a:lnRef idx="2">
+            <a:schemeClr val="accent1">
+              <a:shade val="50000"/>
+            </a:schemeClr>
+          </a:lnRef>
+          <a:fillRef idx="1">
+            <a:schemeClr val="accent1"/>
+          </a:fillRef>
+          <a:effectRef idx="0">
+            <a:schemeClr val="accent1"/>
+          </a:effectRef>
+          <a:fontRef idx="minor">
+            <a:schemeClr val="lt1"/>
+          </a:fontRef>
+        </p:style>
+        <p:txBody>
+          <a:bodyPr rtlCol="0" anchor="ctr"/>
+          <a:lstStyle/>
+          <a:p>
+            <a:pPr algn="ctr"/>
+            <a:endParaRPr lang="fr-FR"/>
+          </a:p>
+        </p:txBody>
+      </p:sp>
+      <p:sp>
+        <p:nvSpPr>
+          <p:cNvPr id="2" name="TextBox 1">
+            <a:extLst>
+              <a:ext uri="{FF2B5EF4-FFF2-40B4-BE49-F238E27FC236}">
+                <a16:creationId xmlns:a16="http://schemas.microsoft.com/office/drawing/2014/main" id="{3B1F57D3-3514-4534-A927-158EE120F795}"/>
+              </a:ext>
+            </a:extLst>
+          </p:cNvPr>
+          <p:cNvSpPr txBox="1"/>
+          <p:nvPr/>
+        </p:nvSpPr>
+        <p:spPr>
+          <a:xfrm>
+            <a:off x="8274424" y="3801035"/>
+            <a:ext cx="1602042" cy="369332"/>
+          </a:xfrm>
+          <a:prstGeom prst="rect">
+            <a:avLst/>
+          </a:prstGeom>
+          <a:noFill/>
+        </p:spPr>
+        <p:txBody>
+          <a:bodyPr wrap="none" rtlCol="0">
+            <a:spAutoFit/>
+          </a:bodyPr>
+          <a:lstStyle/>
+          <a:p>
+            <a:r>
+              <a:rPr lang="fr-FR" dirty="0"/>
+              <a:t>Localhost:3000</a:t>
+            </a:r>
+          </a:p>
+        </p:txBody>
+      </p:sp>
+      <p:sp>
+        <p:nvSpPr>
+          <p:cNvPr id="3" name="Cylinder 2">
+            <a:extLst>
+              <a:ext uri="{FF2B5EF4-FFF2-40B4-BE49-F238E27FC236}">
+                <a16:creationId xmlns:a16="http://schemas.microsoft.com/office/drawing/2014/main" id="{6D8A67E8-1876-4668-8EC2-F420FDA826D4}"/>
+              </a:ext>
+            </a:extLst>
+          </p:cNvPr>
+          <p:cNvSpPr/>
+          <p:nvPr/>
+        </p:nvSpPr>
+        <p:spPr>
+          <a:xfrm>
+            <a:off x="9982201" y="4710952"/>
+            <a:ext cx="1340223" cy="1743635"/>
+          </a:xfrm>
+          <a:prstGeom prst="can">
+            <a:avLst/>
+          </a:prstGeom>
+        </p:spPr>
+        <p:style>
+          <a:lnRef idx="2">
+            <a:schemeClr val="accent1">
+              <a:shade val="50000"/>
+            </a:schemeClr>
+          </a:lnRef>
+          <a:fillRef idx="1">
+            <a:schemeClr val="accent1"/>
+          </a:fillRef>
+          <a:effectRef idx="0">
+            <a:schemeClr val="accent1"/>
+          </a:effectRef>
+          <a:fontRef idx="minor">
+            <a:schemeClr val="lt1"/>
+          </a:fontRef>
+        </p:style>
+        <p:txBody>
+          <a:bodyPr rtlCol="0" anchor="ctr"/>
+          <a:lstStyle/>
+          <a:p>
+            <a:pPr algn="ctr"/>
+            <a:r>
+              <a:rPr lang="fr-FR" dirty="0" err="1"/>
+              <a:t>Postgre</a:t>
+            </a:r>
+            <a:endParaRPr lang="fr-FR" dirty="0"/>
+          </a:p>
+        </p:txBody>
+      </p:sp>
+      <p:cxnSp>
+        <p:nvCxnSpPr>
+          <p:cNvPr id="13" name="Straight Arrow Connector 12">
+            <a:extLst>
+              <a:ext uri="{FF2B5EF4-FFF2-40B4-BE49-F238E27FC236}">
+                <a16:creationId xmlns:a16="http://schemas.microsoft.com/office/drawing/2014/main" id="{174B8A2F-837F-4866-BC8C-FEEFA7C550A5}"/>
+              </a:ext>
+            </a:extLst>
+          </p:cNvPr>
+          <p:cNvCxnSpPr>
+            <a:stCxn id="10" idx="3"/>
+            <a:endCxn id="3" idx="2"/>
+          </p:cNvCxnSpPr>
+          <p:nvPr/>
+        </p:nvCxnSpPr>
+        <p:spPr>
+          <a:xfrm>
+            <a:off x="9874624" y="5164931"/>
+            <a:ext cx="107577" cy="417839"/>
+          </a:xfrm>
+          <a:prstGeom prst="straightConnector1">
+            <a:avLst/>
+          </a:prstGeom>
+          <a:ln w="76200">
+            <a:headEnd type="triangle"/>
+            <a:tailEnd type="triangle"/>
+          </a:ln>
+        </p:spPr>
+        <p:style>
+          <a:lnRef idx="1">
+            <a:schemeClr val="accent1"/>
+          </a:lnRef>
+          <a:fillRef idx="0">
+            <a:schemeClr val="accent1"/>
+          </a:fillRef>
+          <a:effectRef idx="0">
+            <a:schemeClr val="accent1"/>
+          </a:effectRef>
+          <a:fontRef idx="minor">
+            <a:schemeClr val="tx1"/>
+          </a:fontRef>
+        </p:style>
+      </p:cxnSp>
+      <p:cxnSp>
+        <p:nvCxnSpPr>
+          <p:cNvPr id="15" name="Straight Arrow Connector 14">
+            <a:extLst>
+              <a:ext uri="{FF2B5EF4-FFF2-40B4-BE49-F238E27FC236}">
+                <a16:creationId xmlns:a16="http://schemas.microsoft.com/office/drawing/2014/main" id="{1B90DE9D-1A3B-45AA-BC77-04C497C32EAD}"/>
+              </a:ext>
+            </a:extLst>
+          </p:cNvPr>
+          <p:cNvCxnSpPr>
+            <a:cxnSpLocks/>
+          </p:cNvCxnSpPr>
+          <p:nvPr/>
+        </p:nvCxnSpPr>
+        <p:spPr>
+          <a:xfrm>
+            <a:off x="2881313" y="3472185"/>
+            <a:ext cx="5504609" cy="1634097"/>
+          </a:xfrm>
+          <a:prstGeom prst="straightConnector1">
+            <a:avLst/>
+          </a:prstGeom>
+          <a:ln w="76200">
+            <a:tailEnd type="triangle"/>
+          </a:ln>
+        </p:spPr>
+        <p:style>
+          <a:lnRef idx="1">
+            <a:schemeClr val="accent1"/>
+          </a:lnRef>
+          <a:fillRef idx="0">
+            <a:schemeClr val="accent1"/>
+          </a:fillRef>
+          <a:effectRef idx="0">
+            <a:schemeClr val="accent1"/>
+          </a:effectRef>
+          <a:fontRef idx="minor">
+            <a:schemeClr val="tx1"/>
+          </a:fontRef>
+        </p:style>
+      </p:cxnSp>
+      <p:cxnSp>
+        <p:nvCxnSpPr>
+          <p:cNvPr id="17" name="Straight Arrow Connector 16">
+            <a:extLst>
+              <a:ext uri="{FF2B5EF4-FFF2-40B4-BE49-F238E27FC236}">
+                <a16:creationId xmlns:a16="http://schemas.microsoft.com/office/drawing/2014/main" id="{3851EE89-DAD5-4F05-B780-F065DA5C0929}"/>
+              </a:ext>
+            </a:extLst>
+          </p:cNvPr>
+          <p:cNvCxnSpPr/>
+          <p:nvPr/>
+        </p:nvCxnSpPr>
+        <p:spPr>
+          <a:xfrm flipH="1" flipV="1">
+            <a:off x="2631142" y="3726978"/>
+            <a:ext cx="5643282" cy="1779494"/>
+          </a:xfrm>
+          <a:prstGeom prst="straightConnector1">
+            <a:avLst/>
+          </a:prstGeom>
+          <a:ln w="76200">
+            <a:tailEnd type="triangle"/>
+          </a:ln>
+        </p:spPr>
+        <p:style>
+          <a:lnRef idx="1">
+            <a:schemeClr val="accent1"/>
+          </a:lnRef>
+          <a:fillRef idx="0">
+            <a:schemeClr val="accent1"/>
+          </a:fillRef>
+          <a:effectRef idx="0">
+            <a:schemeClr val="accent1"/>
+          </a:effectRef>
+          <a:fontRef idx="minor">
+            <a:schemeClr val="tx1"/>
+          </a:fontRef>
+        </p:style>
+      </p:cxnSp>
+      <p:sp>
+        <p:nvSpPr>
+          <p:cNvPr id="18" name="Cylinder 17">
+            <a:extLst>
+              <a:ext uri="{FF2B5EF4-FFF2-40B4-BE49-F238E27FC236}">
+                <a16:creationId xmlns:a16="http://schemas.microsoft.com/office/drawing/2014/main" id="{F8B7572D-720D-40E8-9E69-00A8330C619B}"/>
+              </a:ext>
+            </a:extLst>
+          </p:cNvPr>
+          <p:cNvSpPr/>
+          <p:nvPr/>
+        </p:nvSpPr>
+        <p:spPr>
+          <a:xfrm>
+            <a:off x="1129553" y="2366403"/>
+            <a:ext cx="582145" cy="1241891"/>
+          </a:xfrm>
+          <a:prstGeom prst="can">
+            <a:avLst/>
+          </a:prstGeom>
+        </p:spPr>
+        <p:style>
+          <a:lnRef idx="2">
+            <a:schemeClr val="accent1">
+              <a:shade val="50000"/>
+            </a:schemeClr>
+          </a:lnRef>
+          <a:fillRef idx="1">
+            <a:schemeClr val="accent1"/>
+          </a:fillRef>
+          <a:effectRef idx="0">
+            <a:schemeClr val="accent1"/>
+          </a:effectRef>
+          <a:fontRef idx="minor">
+            <a:schemeClr val="lt1"/>
+          </a:fontRef>
+        </p:style>
+        <p:txBody>
+          <a:bodyPr rtlCol="0" anchor="ctr"/>
+          <a:lstStyle/>
+          <a:p>
+            <a:pPr algn="ctr"/>
+            <a:r>
+              <a:rPr lang="fr-FR" dirty="0" err="1"/>
+              <a:t>localstorage</a:t>
+            </a:r>
+            <a:endParaRPr lang="fr-FR" dirty="0"/>
+          </a:p>
+        </p:txBody>
+      </p:sp>
+      <p:sp>
+        <p:nvSpPr>
+          <p:cNvPr id="21" name="Rectangle 20">
+            <a:extLst>
+              <a:ext uri="{FF2B5EF4-FFF2-40B4-BE49-F238E27FC236}">
+                <a16:creationId xmlns:a16="http://schemas.microsoft.com/office/drawing/2014/main" id="{E1D797F8-8157-4A5F-B79B-CD5A094D8C7A}"/>
+              </a:ext>
+            </a:extLst>
+          </p:cNvPr>
+          <p:cNvSpPr/>
+          <p:nvPr/>
+        </p:nvSpPr>
+        <p:spPr>
+          <a:xfrm>
+            <a:off x="7920038" y="4694725"/>
+            <a:ext cx="919162" cy="1074063"/>
+          </a:xfrm>
+          <a:prstGeom prst="rect">
+            <a:avLst/>
+          </a:prstGeom>
+        </p:spPr>
+        <p:style>
+          <a:lnRef idx="2">
+            <a:schemeClr val="accent5">
+              <a:shade val="50000"/>
+            </a:schemeClr>
+          </a:lnRef>
+          <a:fillRef idx="1">
+            <a:schemeClr val="accent5"/>
+          </a:fillRef>
+          <a:effectRef idx="0">
+            <a:schemeClr val="accent5"/>
+          </a:effectRef>
+          <a:fontRef idx="minor">
+            <a:schemeClr val="lt1"/>
+          </a:fontRef>
+        </p:style>
+        <p:txBody>
+          <a:bodyPr rtlCol="0" anchor="ctr"/>
+          <a:lstStyle/>
+          <a:p>
+            <a:pPr algn="ctr"/>
+            <a:r>
+              <a:rPr lang="fr-FR" dirty="0"/>
+              <a:t>cors</a:t>
+            </a:r>
           </a:p>
         </p:txBody>
       </p:sp>
@@ -7796,6 +8150,756 @@
     <p:extLst>
       <p:ext uri="{BB962C8B-B14F-4D97-AF65-F5344CB8AC3E}">
         <p14:creationId xmlns:p14="http://schemas.microsoft.com/office/powerpoint/2010/main" val="412961817"/>
+      </p:ext>
+    </p:extLst>
+  </p:cSld>
+  <p:clrMapOvr>
+    <a:masterClrMapping/>
+  </p:clrMapOvr>
+</p:sld>
+</file>
+
+<file path=ppt/slides/slide9.xml><?xml version="1.0" encoding="utf-8"?>
+<p:sld xmlns:a="http://schemas.openxmlformats.org/drawingml/2006/main" xmlns:r="http://schemas.openxmlformats.org/officeDocument/2006/relationships" xmlns:p="http://schemas.openxmlformats.org/presentationml/2006/main">
+  <p:cSld>
+    <p:spTree>
+      <p:nvGrpSpPr>
+        <p:cNvPr id="1" name=""/>
+        <p:cNvGrpSpPr/>
+        <p:nvPr/>
+      </p:nvGrpSpPr>
+      <p:grpSpPr>
+        <a:xfrm>
+          <a:off x="0" y="0"/>
+          <a:ext cx="0" cy="0"/>
+          <a:chOff x="0" y="0"/>
+          <a:chExt cx="0" cy="0"/>
+        </a:xfrm>
+      </p:grpSpPr>
+      <p:sp>
+        <p:nvSpPr>
+          <p:cNvPr id="4" name="Rectangle 3">
+            <a:extLst>
+              <a:ext uri="{FF2B5EF4-FFF2-40B4-BE49-F238E27FC236}">
+                <a16:creationId xmlns:a16="http://schemas.microsoft.com/office/drawing/2014/main" id="{87927BCB-5168-4C18-B8AE-6CB7C8CA6179}"/>
+              </a:ext>
+            </a:extLst>
+          </p:cNvPr>
+          <p:cNvSpPr/>
+          <p:nvPr/>
+        </p:nvSpPr>
+        <p:spPr>
+          <a:xfrm>
+            <a:off x="683568" y="1844824"/>
+            <a:ext cx="2376264" cy="360040"/>
+          </a:xfrm>
+          <a:prstGeom prst="rect">
+            <a:avLst/>
+          </a:prstGeom>
+        </p:spPr>
+        <p:style>
+          <a:lnRef idx="2">
+            <a:schemeClr val="accent2">
+              <a:shade val="50000"/>
+            </a:schemeClr>
+          </a:lnRef>
+          <a:fillRef idx="1">
+            <a:schemeClr val="accent2"/>
+          </a:fillRef>
+          <a:effectRef idx="0">
+            <a:schemeClr val="accent2"/>
+          </a:effectRef>
+          <a:fontRef idx="minor">
+            <a:schemeClr val="lt1"/>
+          </a:fontRef>
+        </p:style>
+        <p:txBody>
+          <a:bodyPr rtlCol="0" anchor="ctr"/>
+          <a:lstStyle/>
+          <a:p>
+            <a:pPr algn="ctr"/>
+            <a:r>
+              <a:rPr lang="fr-FR" dirty="0"/>
+              <a:t>METHOD /</a:t>
+            </a:r>
+            <a:r>
+              <a:rPr lang="fr-FR" dirty="0" err="1"/>
+              <a:t>path</a:t>
+            </a:r>
+            <a:r>
+              <a:rPr lang="fr-FR" dirty="0"/>
+              <a:t> version</a:t>
+            </a:r>
+          </a:p>
+        </p:txBody>
+      </p:sp>
+      <p:sp>
+        <p:nvSpPr>
+          <p:cNvPr id="5" name="Rectangle 4">
+            <a:extLst>
+              <a:ext uri="{FF2B5EF4-FFF2-40B4-BE49-F238E27FC236}">
+                <a16:creationId xmlns:a16="http://schemas.microsoft.com/office/drawing/2014/main" id="{2E33E0E9-4574-4503-97A3-BD90EB581D83}"/>
+              </a:ext>
+            </a:extLst>
+          </p:cNvPr>
+          <p:cNvSpPr/>
+          <p:nvPr/>
+        </p:nvSpPr>
+        <p:spPr>
+          <a:xfrm>
+            <a:off x="683568" y="2312876"/>
+            <a:ext cx="2376264" cy="1440160"/>
+          </a:xfrm>
+          <a:prstGeom prst="rect">
+            <a:avLst/>
+          </a:prstGeom>
+        </p:spPr>
+        <p:style>
+          <a:lnRef idx="2">
+            <a:schemeClr val="accent3">
+              <a:shade val="50000"/>
+            </a:schemeClr>
+          </a:lnRef>
+          <a:fillRef idx="1">
+            <a:schemeClr val="accent3"/>
+          </a:fillRef>
+          <a:effectRef idx="0">
+            <a:schemeClr val="accent3"/>
+          </a:effectRef>
+          <a:fontRef idx="minor">
+            <a:schemeClr val="lt1"/>
+          </a:fontRef>
+        </p:style>
+        <p:txBody>
+          <a:bodyPr rtlCol="0" anchor="t"/>
+          <a:lstStyle/>
+          <a:p>
+            <a:r>
+              <a:rPr lang="fr-FR" dirty="0"/>
+              <a:t>Clé: valeur</a:t>
+            </a:r>
+          </a:p>
+          <a:p>
+            <a:r>
+              <a:rPr lang="fr-FR" dirty="0"/>
+              <a:t>Autre-Clé: a=1; b=2</a:t>
+            </a:r>
+          </a:p>
+          <a:p>
+            <a:r>
+              <a:rPr lang="fr-FR" dirty="0"/>
+              <a:t>…</a:t>
+            </a:r>
+          </a:p>
+          <a:p>
+            <a:r>
+              <a:rPr lang="fr-FR" dirty="0"/>
+              <a:t>…</a:t>
+            </a:r>
+          </a:p>
+          <a:p>
+            <a:r>
+              <a:rPr lang="fr-FR" dirty="0"/>
+              <a:t>\n</a:t>
+            </a:r>
+          </a:p>
+          <a:p>
+            <a:endParaRPr lang="fr-FR" dirty="0"/>
+          </a:p>
+          <a:p>
+            <a:pPr algn="ctr"/>
+            <a:endParaRPr lang="fr-FR" dirty="0"/>
+          </a:p>
+        </p:txBody>
+      </p:sp>
+      <p:sp>
+        <p:nvSpPr>
+          <p:cNvPr id="6" name="Rectangle 5">
+            <a:extLst>
+              <a:ext uri="{FF2B5EF4-FFF2-40B4-BE49-F238E27FC236}">
+                <a16:creationId xmlns:a16="http://schemas.microsoft.com/office/drawing/2014/main" id="{E5F85DA9-F1F3-4050-8B75-012F2F6A77B3}"/>
+              </a:ext>
+            </a:extLst>
+          </p:cNvPr>
+          <p:cNvSpPr/>
+          <p:nvPr/>
+        </p:nvSpPr>
+        <p:spPr>
+          <a:xfrm>
+            <a:off x="683568" y="4365104"/>
+            <a:ext cx="2376264" cy="1440160"/>
+          </a:xfrm>
+          <a:prstGeom prst="rect">
+            <a:avLst/>
+          </a:prstGeom>
+        </p:spPr>
+        <p:style>
+          <a:lnRef idx="2">
+            <a:schemeClr val="accent1">
+              <a:shade val="50000"/>
+            </a:schemeClr>
+          </a:lnRef>
+          <a:fillRef idx="1">
+            <a:schemeClr val="accent1"/>
+          </a:fillRef>
+          <a:effectRef idx="0">
+            <a:schemeClr val="accent1"/>
+          </a:effectRef>
+          <a:fontRef idx="minor">
+            <a:schemeClr val="lt1"/>
+          </a:fontRef>
+        </p:style>
+        <p:txBody>
+          <a:bodyPr rtlCol="0" anchor="t"/>
+          <a:lstStyle/>
+          <a:p>
+            <a:r>
+              <a:rPr lang="fr-FR" dirty="0"/>
+              <a:t>Body : contenu libre, format du contenu déclaré dans l’entête par Content-Type et Content-Length</a:t>
+            </a:r>
+          </a:p>
+          <a:p>
+            <a:endParaRPr lang="fr-FR" dirty="0"/>
+          </a:p>
+          <a:p>
+            <a:pPr algn="ctr"/>
+            <a:endParaRPr lang="fr-FR" dirty="0"/>
+          </a:p>
+        </p:txBody>
+      </p:sp>
+      <p:sp>
+        <p:nvSpPr>
+          <p:cNvPr id="7" name="TextBox 6">
+            <a:extLst>
+              <a:ext uri="{FF2B5EF4-FFF2-40B4-BE49-F238E27FC236}">
+                <a16:creationId xmlns:a16="http://schemas.microsoft.com/office/drawing/2014/main" id="{D686A43F-1EB9-474F-9D34-8E76DFA835EA}"/>
+              </a:ext>
+            </a:extLst>
+          </p:cNvPr>
+          <p:cNvSpPr txBox="1"/>
+          <p:nvPr/>
+        </p:nvSpPr>
+        <p:spPr>
+          <a:xfrm>
+            <a:off x="1043608" y="1336539"/>
+            <a:ext cx="1512145" cy="369332"/>
+          </a:xfrm>
+          <a:prstGeom prst="rect">
+            <a:avLst/>
+          </a:prstGeom>
+          <a:noFill/>
+        </p:spPr>
+        <p:txBody>
+          <a:bodyPr wrap="none" rtlCol="0">
+            <a:spAutoFit/>
+          </a:bodyPr>
+          <a:lstStyle/>
+          <a:p>
+            <a:r>
+              <a:rPr lang="fr-FR" dirty="0"/>
+              <a:t>Requête HTTP</a:t>
+            </a:r>
+          </a:p>
+        </p:txBody>
+      </p:sp>
+      <p:sp>
+        <p:nvSpPr>
+          <p:cNvPr id="8" name="Rectangle 7">
+            <a:extLst>
+              <a:ext uri="{FF2B5EF4-FFF2-40B4-BE49-F238E27FC236}">
+                <a16:creationId xmlns:a16="http://schemas.microsoft.com/office/drawing/2014/main" id="{5A65A276-01E3-4AA2-86D1-DAB2A161448D}"/>
+              </a:ext>
+            </a:extLst>
+          </p:cNvPr>
+          <p:cNvSpPr/>
+          <p:nvPr/>
+        </p:nvSpPr>
+        <p:spPr>
+          <a:xfrm>
+            <a:off x="4428772" y="1853547"/>
+            <a:ext cx="2376264" cy="360040"/>
+          </a:xfrm>
+          <a:prstGeom prst="rect">
+            <a:avLst/>
+          </a:prstGeom>
+        </p:spPr>
+        <p:style>
+          <a:lnRef idx="2">
+            <a:schemeClr val="accent2">
+              <a:shade val="50000"/>
+            </a:schemeClr>
+          </a:lnRef>
+          <a:fillRef idx="1">
+            <a:schemeClr val="accent2"/>
+          </a:fillRef>
+          <a:effectRef idx="0">
+            <a:schemeClr val="accent2"/>
+          </a:effectRef>
+          <a:fontRef idx="minor">
+            <a:schemeClr val="lt1"/>
+          </a:fontRef>
+        </p:style>
+        <p:txBody>
+          <a:bodyPr rtlCol="0" anchor="ctr"/>
+          <a:lstStyle/>
+          <a:p>
+            <a:pPr algn="ctr"/>
+            <a:r>
+              <a:rPr lang="fr-FR" dirty="0"/>
+              <a:t>Version code message</a:t>
+            </a:r>
+          </a:p>
+        </p:txBody>
+      </p:sp>
+      <p:sp>
+        <p:nvSpPr>
+          <p:cNvPr id="9" name="Rectangle 8">
+            <a:extLst>
+              <a:ext uri="{FF2B5EF4-FFF2-40B4-BE49-F238E27FC236}">
+                <a16:creationId xmlns:a16="http://schemas.microsoft.com/office/drawing/2014/main" id="{AC331A0E-C064-4256-AC1B-FBD78B9DD442}"/>
+              </a:ext>
+            </a:extLst>
+          </p:cNvPr>
+          <p:cNvSpPr/>
+          <p:nvPr/>
+        </p:nvSpPr>
+        <p:spPr>
+          <a:xfrm>
+            <a:off x="4430184" y="2357603"/>
+            <a:ext cx="2376264" cy="1440160"/>
+          </a:xfrm>
+          <a:prstGeom prst="rect">
+            <a:avLst/>
+          </a:prstGeom>
+        </p:spPr>
+        <p:style>
+          <a:lnRef idx="2">
+            <a:schemeClr val="accent3">
+              <a:shade val="50000"/>
+            </a:schemeClr>
+          </a:lnRef>
+          <a:fillRef idx="1">
+            <a:schemeClr val="accent3"/>
+          </a:fillRef>
+          <a:effectRef idx="0">
+            <a:schemeClr val="accent3"/>
+          </a:effectRef>
+          <a:fontRef idx="minor">
+            <a:schemeClr val="lt1"/>
+          </a:fontRef>
+        </p:style>
+        <p:txBody>
+          <a:bodyPr rtlCol="0" anchor="t"/>
+          <a:lstStyle/>
+          <a:p>
+            <a:r>
+              <a:rPr lang="fr-FR" dirty="0"/>
+              <a:t>Clé: valeur</a:t>
+            </a:r>
+          </a:p>
+          <a:p>
+            <a:r>
+              <a:rPr lang="fr-FR" dirty="0"/>
+              <a:t>Autre-Clé: a=1; b=2</a:t>
+            </a:r>
+          </a:p>
+          <a:p>
+            <a:r>
+              <a:rPr lang="fr-FR" dirty="0"/>
+              <a:t>…</a:t>
+            </a:r>
+          </a:p>
+          <a:p>
+            <a:r>
+              <a:rPr lang="fr-FR" dirty="0"/>
+              <a:t>…</a:t>
+            </a:r>
+          </a:p>
+          <a:p>
+            <a:r>
+              <a:rPr lang="fr-FR" dirty="0"/>
+              <a:t>\n</a:t>
+            </a:r>
+          </a:p>
+          <a:p>
+            <a:endParaRPr lang="fr-FR" dirty="0"/>
+          </a:p>
+          <a:p>
+            <a:pPr algn="ctr"/>
+            <a:endParaRPr lang="fr-FR" dirty="0"/>
+          </a:p>
+        </p:txBody>
+      </p:sp>
+      <p:sp>
+        <p:nvSpPr>
+          <p:cNvPr id="10" name="Rectangle 9">
+            <a:extLst>
+              <a:ext uri="{FF2B5EF4-FFF2-40B4-BE49-F238E27FC236}">
+                <a16:creationId xmlns:a16="http://schemas.microsoft.com/office/drawing/2014/main" id="{B712BF4E-2E78-43D6-A83B-A0ACB62B1D07}"/>
+              </a:ext>
+            </a:extLst>
+          </p:cNvPr>
+          <p:cNvSpPr/>
+          <p:nvPr/>
+        </p:nvSpPr>
+        <p:spPr>
+          <a:xfrm>
+            <a:off x="4428772" y="4365104"/>
+            <a:ext cx="2376264" cy="1440160"/>
+          </a:xfrm>
+          <a:prstGeom prst="rect">
+            <a:avLst/>
+          </a:prstGeom>
+        </p:spPr>
+        <p:style>
+          <a:lnRef idx="2">
+            <a:schemeClr val="accent1">
+              <a:shade val="50000"/>
+            </a:schemeClr>
+          </a:lnRef>
+          <a:fillRef idx="1">
+            <a:schemeClr val="accent1"/>
+          </a:fillRef>
+          <a:effectRef idx="0">
+            <a:schemeClr val="accent1"/>
+          </a:effectRef>
+          <a:fontRef idx="minor">
+            <a:schemeClr val="lt1"/>
+          </a:fontRef>
+        </p:style>
+        <p:txBody>
+          <a:bodyPr rtlCol="0" anchor="t"/>
+          <a:lstStyle/>
+          <a:p>
+            <a:r>
+              <a:rPr lang="fr-FR" dirty="0"/>
+              <a:t>Body : contenu libre, format du contenu déclaré dans l’entête par Content-Type et Content-Length</a:t>
+            </a:r>
+          </a:p>
+          <a:p>
+            <a:endParaRPr lang="fr-FR" dirty="0"/>
+          </a:p>
+          <a:p>
+            <a:pPr algn="ctr"/>
+            <a:endParaRPr lang="fr-FR" dirty="0"/>
+          </a:p>
+        </p:txBody>
+      </p:sp>
+      <p:sp>
+        <p:nvSpPr>
+          <p:cNvPr id="11" name="TextBox 10">
+            <a:extLst>
+              <a:ext uri="{FF2B5EF4-FFF2-40B4-BE49-F238E27FC236}">
+                <a16:creationId xmlns:a16="http://schemas.microsoft.com/office/drawing/2014/main" id="{71DE9F1B-FD1C-4A3A-8FD4-C499BF9B96E6}"/>
+              </a:ext>
+            </a:extLst>
+          </p:cNvPr>
+          <p:cNvSpPr txBox="1"/>
+          <p:nvPr/>
+        </p:nvSpPr>
+        <p:spPr>
+          <a:xfrm>
+            <a:off x="4788812" y="1345262"/>
+            <a:ext cx="1535100" cy="369332"/>
+          </a:xfrm>
+          <a:prstGeom prst="rect">
+            <a:avLst/>
+          </a:prstGeom>
+          <a:noFill/>
+        </p:spPr>
+        <p:txBody>
+          <a:bodyPr wrap="none" rtlCol="0">
+            <a:spAutoFit/>
+          </a:bodyPr>
+          <a:lstStyle/>
+          <a:p>
+            <a:r>
+              <a:rPr lang="fr-FR" dirty="0"/>
+              <a:t>Réponse HTTP</a:t>
+            </a:r>
+          </a:p>
+        </p:txBody>
+      </p:sp>
+      <p:sp>
+        <p:nvSpPr>
+          <p:cNvPr id="12" name="TextBox 11">
+            <a:extLst>
+              <a:ext uri="{FF2B5EF4-FFF2-40B4-BE49-F238E27FC236}">
+                <a16:creationId xmlns:a16="http://schemas.microsoft.com/office/drawing/2014/main" id="{26AB8B95-7011-415A-B6F0-84CEC61D01F9}"/>
+              </a:ext>
+            </a:extLst>
+          </p:cNvPr>
+          <p:cNvSpPr txBox="1"/>
+          <p:nvPr/>
+        </p:nvSpPr>
+        <p:spPr>
+          <a:xfrm>
+            <a:off x="3348169" y="2780928"/>
+            <a:ext cx="795089" cy="369332"/>
+          </a:xfrm>
+          <a:prstGeom prst="rect">
+            <a:avLst/>
+          </a:prstGeom>
+          <a:noFill/>
+        </p:spPr>
+        <p:txBody>
+          <a:bodyPr wrap="none" rtlCol="0">
+            <a:spAutoFit/>
+          </a:bodyPr>
+          <a:lstStyle/>
+          <a:p>
+            <a:r>
+              <a:rPr lang="fr-FR" dirty="0"/>
+              <a:t>Entête</a:t>
+            </a:r>
+          </a:p>
+        </p:txBody>
+      </p:sp>
+      <p:sp>
+        <p:nvSpPr>
+          <p:cNvPr id="13" name="TextBox 12">
+            <a:extLst>
+              <a:ext uri="{FF2B5EF4-FFF2-40B4-BE49-F238E27FC236}">
+                <a16:creationId xmlns:a16="http://schemas.microsoft.com/office/drawing/2014/main" id="{F84421E5-8AE4-45A3-81D3-5E59CA65D458}"/>
+              </a:ext>
+            </a:extLst>
+          </p:cNvPr>
+          <p:cNvSpPr txBox="1"/>
+          <p:nvPr/>
+        </p:nvSpPr>
+        <p:spPr>
+          <a:xfrm>
+            <a:off x="3419872" y="4509120"/>
+            <a:ext cx="657552" cy="369332"/>
+          </a:xfrm>
+          <a:prstGeom prst="rect">
+            <a:avLst/>
+          </a:prstGeom>
+          <a:noFill/>
+        </p:spPr>
+        <p:txBody>
+          <a:bodyPr wrap="none" rtlCol="0">
+            <a:spAutoFit/>
+          </a:bodyPr>
+          <a:lstStyle/>
+          <a:p>
+            <a:r>
+              <a:rPr lang="fr-FR" dirty="0"/>
+              <a:t>Body</a:t>
+            </a:r>
+          </a:p>
+        </p:txBody>
+      </p:sp>
+      <p:sp>
+        <p:nvSpPr>
+          <p:cNvPr id="14" name="TextBox 13">
+            <a:extLst>
+              <a:ext uri="{FF2B5EF4-FFF2-40B4-BE49-F238E27FC236}">
+                <a16:creationId xmlns:a16="http://schemas.microsoft.com/office/drawing/2014/main" id="{98795FD8-E3ED-47D2-97B2-883D20CE4F73}"/>
+              </a:ext>
+            </a:extLst>
+          </p:cNvPr>
+          <p:cNvSpPr txBox="1"/>
+          <p:nvPr/>
+        </p:nvSpPr>
+        <p:spPr>
+          <a:xfrm>
+            <a:off x="395536" y="6021288"/>
+            <a:ext cx="7106304" cy="646331"/>
+          </a:xfrm>
+          <a:prstGeom prst="rect">
+            <a:avLst/>
+          </a:prstGeom>
+          <a:noFill/>
+        </p:spPr>
+        <p:txBody>
+          <a:bodyPr wrap="none" rtlCol="0">
+            <a:spAutoFit/>
+          </a:bodyPr>
+          <a:lstStyle/>
+          <a:p>
+            <a:r>
+              <a:rPr lang="fr-FR" dirty="0"/>
+              <a:t>IP est le protocole que tout le monde utilise pour la couche transport.</a:t>
+            </a:r>
+          </a:p>
+          <a:p>
+            <a:r>
+              <a:rPr lang="fr-FR" dirty="0"/>
+              <a:t>HTTP est le protocole que tout le monde utilise pour la couche applicative.</a:t>
+            </a:r>
+          </a:p>
+        </p:txBody>
+      </p:sp>
+      <p:sp>
+        <p:nvSpPr>
+          <p:cNvPr id="15" name="TextBox 14">
+            <a:extLst>
+              <a:ext uri="{FF2B5EF4-FFF2-40B4-BE49-F238E27FC236}">
+                <a16:creationId xmlns:a16="http://schemas.microsoft.com/office/drawing/2014/main" id="{1BDA12F9-8256-4D1D-83F7-82FF895B13E8}"/>
+              </a:ext>
+            </a:extLst>
+          </p:cNvPr>
+          <p:cNvSpPr txBox="1"/>
+          <p:nvPr/>
+        </p:nvSpPr>
+        <p:spPr>
+          <a:xfrm>
+            <a:off x="7308304" y="2708920"/>
+            <a:ext cx="1004955" cy="369332"/>
+          </a:xfrm>
+          <a:prstGeom prst="rect">
+            <a:avLst/>
+          </a:prstGeom>
+          <a:noFill/>
+        </p:spPr>
+        <p:txBody>
+          <a:bodyPr wrap="none" rtlCol="0">
+            <a:spAutoFit/>
+          </a:bodyPr>
+          <a:lstStyle/>
+          <a:p>
+            <a:r>
+              <a:rPr lang="fr-FR" dirty="0"/>
+              <a:t>RFC2616</a:t>
+            </a:r>
+          </a:p>
+        </p:txBody>
+      </p:sp>
+      <p:sp>
+        <p:nvSpPr>
+          <p:cNvPr id="16" name="Rectangle 15">
+            <a:extLst>
+              <a:ext uri="{FF2B5EF4-FFF2-40B4-BE49-F238E27FC236}">
+                <a16:creationId xmlns:a16="http://schemas.microsoft.com/office/drawing/2014/main" id="{1DDE1A9B-3E2B-4D93-A17A-C34AF065096C}"/>
+              </a:ext>
+            </a:extLst>
+          </p:cNvPr>
+          <p:cNvSpPr/>
+          <p:nvPr/>
+        </p:nvSpPr>
+        <p:spPr>
+          <a:xfrm>
+            <a:off x="683568" y="3897052"/>
+            <a:ext cx="2376264" cy="360040"/>
+          </a:xfrm>
+          <a:prstGeom prst="rect">
+            <a:avLst/>
+          </a:prstGeom>
+        </p:spPr>
+        <p:style>
+          <a:lnRef idx="2">
+            <a:schemeClr val="accent5">
+              <a:shade val="50000"/>
+            </a:schemeClr>
+          </a:lnRef>
+          <a:fillRef idx="1">
+            <a:schemeClr val="accent5"/>
+          </a:fillRef>
+          <a:effectRef idx="0">
+            <a:schemeClr val="accent5"/>
+          </a:effectRef>
+          <a:fontRef idx="minor">
+            <a:schemeClr val="lt1"/>
+          </a:fontRef>
+        </p:style>
+        <p:txBody>
+          <a:bodyPr rtlCol="0" anchor="ctr"/>
+          <a:lstStyle/>
+          <a:p>
+            <a:r>
+              <a:rPr lang="fr-FR" dirty="0"/>
+              <a:t>\n</a:t>
+            </a:r>
+          </a:p>
+        </p:txBody>
+      </p:sp>
+      <p:sp>
+        <p:nvSpPr>
+          <p:cNvPr id="17" name="Rectangle 16">
+            <a:extLst>
+              <a:ext uri="{FF2B5EF4-FFF2-40B4-BE49-F238E27FC236}">
+                <a16:creationId xmlns:a16="http://schemas.microsoft.com/office/drawing/2014/main" id="{B412599F-5D52-4A4E-B815-B3DCC9DD27C9}"/>
+              </a:ext>
+            </a:extLst>
+          </p:cNvPr>
+          <p:cNvSpPr/>
+          <p:nvPr/>
+        </p:nvSpPr>
+        <p:spPr>
+          <a:xfrm>
+            <a:off x="4428772" y="3900415"/>
+            <a:ext cx="2376264" cy="360040"/>
+          </a:xfrm>
+          <a:prstGeom prst="rect">
+            <a:avLst/>
+          </a:prstGeom>
+        </p:spPr>
+        <p:style>
+          <a:lnRef idx="2">
+            <a:schemeClr val="accent5">
+              <a:shade val="50000"/>
+            </a:schemeClr>
+          </a:lnRef>
+          <a:fillRef idx="1">
+            <a:schemeClr val="accent5"/>
+          </a:fillRef>
+          <a:effectRef idx="0">
+            <a:schemeClr val="accent5"/>
+          </a:effectRef>
+          <a:fontRef idx="minor">
+            <a:schemeClr val="lt1"/>
+          </a:fontRef>
+        </p:style>
+        <p:txBody>
+          <a:bodyPr rtlCol="0" anchor="ctr"/>
+          <a:lstStyle/>
+          <a:p>
+            <a:r>
+              <a:rPr lang="fr-FR" dirty="0"/>
+              <a:t>\n</a:t>
+            </a:r>
+          </a:p>
+        </p:txBody>
+      </p:sp>
+      <p:sp>
+        <p:nvSpPr>
+          <p:cNvPr id="18" name="Footer Placeholder 2">
+            <a:extLst>
+              <a:ext uri="{FF2B5EF4-FFF2-40B4-BE49-F238E27FC236}">
+                <a16:creationId xmlns:a16="http://schemas.microsoft.com/office/drawing/2014/main" id="{9794CF55-69A0-49D6-807E-E24CBAB92B71}"/>
+              </a:ext>
+            </a:extLst>
+          </p:cNvPr>
+          <p:cNvSpPr>
+            <a:spLocks noGrp="1"/>
+          </p:cNvSpPr>
+          <p:nvPr>
+            <p:ph type="ftr" sz="quarter" idx="11"/>
+          </p:nvPr>
+        </p:nvSpPr>
+        <p:spPr>
+          <a:xfrm>
+            <a:off x="3124200" y="6356350"/>
+            <a:ext cx="2895600" cy="365125"/>
+          </a:xfrm>
+        </p:spPr>
+        <p:txBody>
+          <a:bodyPr/>
+          <a:lstStyle/>
+          <a:p>
+            <a:r>
+              <a:rPr lang="fr-FR"/>
+              <a:t>@JLG Consulting</a:t>
+            </a:r>
+            <a:endParaRPr lang="fr-FR" dirty="0"/>
+          </a:p>
+        </p:txBody>
+      </p:sp>
+    </p:spTree>
+    <p:extLst>
+      <p:ext uri="{BB962C8B-B14F-4D97-AF65-F5344CB8AC3E}">
+        <p14:creationId xmlns:p14="http://schemas.microsoft.com/office/powerpoint/2010/main" val="3979989873"/>
       </p:ext>
     </p:extLst>
   </p:cSld>
